--- a/初步思路.pptx
+++ b/初步思路.pptx
@@ -1,19 +1,19 @@
 
 <file path=ppt/presentation.xml><?xml version="1.0" encoding="utf-8"?>
-<p:presentation xmlns:a="http://schemas.openxmlformats.org/drawingml/2006/main" xmlns:r="http://schemas.openxmlformats.org/officeDocument/2006/relationships" xmlns:p="http://schemas.openxmlformats.org/presentationml/2006/main" saveSubsetFonts="1">
+<p:presentation xmlns:a="http://schemas.openxmlformats.org/drawingml/2006/main" xmlns:r="http://schemas.openxmlformats.org/officeDocument/2006/relationships" xmlns:p="http://schemas.openxmlformats.org/presentationml/2006/main">
   <p:sldMasterIdLst>
-    <p:sldMasterId id="2147483660" r:id="rId1"/>
+    <p:sldMasterId id="2147483648" r:id="rId1"/>
   </p:sldMasterIdLst>
   <p:notesMasterIdLst>
-    <p:notesMasterId r:id="rId8"/>
+    <p:notesMasterId r:id="rId5"/>
   </p:notesMasterIdLst>
   <p:sldIdLst>
-    <p:sldId id="256" r:id="rId2"/>
-    <p:sldId id="414" r:id="rId3"/>
-    <p:sldId id="415" r:id="rId4"/>
-    <p:sldId id="416" r:id="rId5"/>
-    <p:sldId id="417" r:id="rId6"/>
-    <p:sldId id="418" r:id="rId7"/>
+    <p:sldId id="256" r:id="rId3"/>
+    <p:sldId id="414" r:id="rId4"/>
+    <p:sldId id="415" r:id="rId6"/>
+    <p:sldId id="416" r:id="rId7"/>
+    <p:sldId id="417" r:id="rId8"/>
+    <p:sldId id="418" r:id="rId9"/>
   </p:sldIdLst>
   <p:sldSz cx="12192000" cy="6858000"/>
   <p:notesSz cx="6858000" cy="9144000"/>
@@ -112,11 +112,6 @@
       </a:defRPr>
     </a:lvl9pPr>
   </p:defaultTextStyle>
-  <p:extLst>
-    <p:ext uri="{EFAFB233-063F-42B5-8137-9DF3F51BA10A}">
-      <p15:sldGuideLst xmlns:p15="http://schemas.microsoft.com/office/powerpoint/2012/main"/>
-    </p:ext>
-  </p:extLst>
 </p:presentation>
 </file>
 
@@ -202,7 +197,6 @@
           <a:p>
             <a:fld id="{2693D37E-5CAE-4B9D-BA12-07286EA84975}" type="datetimeFigureOut">
               <a:rPr lang="zh-CN" altLang="en-US" smtClean="0"/>
-              <a:t>2020/11/22</a:t>
             </a:fld>
             <a:endParaRPr lang="zh-CN" altLang="en-US"/>
           </a:p>
@@ -269,6 +263,7 @@
               <a:rPr lang="zh-CN" altLang="en-US"/>
               <a:t>单击此处编辑母版文本样式</a:t>
             </a:r>
+            <a:endParaRPr lang="zh-CN" altLang="en-US"/>
           </a:p>
           <a:p>
             <a:pPr lvl="1"/>
@@ -276,6 +271,7 @@
               <a:rPr lang="zh-CN" altLang="en-US"/>
               <a:t>二级</a:t>
             </a:r>
+            <a:endParaRPr lang="zh-CN" altLang="en-US"/>
           </a:p>
           <a:p>
             <a:pPr lvl="2"/>
@@ -283,6 +279,7 @@
               <a:rPr lang="zh-CN" altLang="en-US"/>
               <a:t>三级</a:t>
             </a:r>
+            <a:endParaRPr lang="zh-CN" altLang="en-US"/>
           </a:p>
           <a:p>
             <a:pPr lvl="3"/>
@@ -290,6 +287,7 @@
               <a:rPr lang="zh-CN" altLang="en-US"/>
               <a:t>四级</a:t>
             </a:r>
+            <a:endParaRPr lang="zh-CN" altLang="en-US"/>
           </a:p>
           <a:p>
             <a:pPr lvl="4"/>
@@ -297,6 +295,7 @@
               <a:rPr lang="zh-CN" altLang="en-US"/>
               <a:t>五级</a:t>
             </a:r>
+            <a:endParaRPr lang="zh-CN" altLang="en-US"/>
           </a:p>
         </p:txBody>
       </p:sp>
@@ -360,18 +359,12 @@
           <a:p>
             <a:fld id="{31D23CEA-1628-421C-86BC-EFCB7F8E8FB1}" type="slidenum">
               <a:rPr lang="zh-CN" altLang="en-US" smtClean="0"/>
-              <a:t>‹#›</a:t>
             </a:fld>
             <a:endParaRPr lang="zh-CN" altLang="en-US"/>
           </a:p>
         </p:txBody>
       </p:sp>
     </p:spTree>
-    <p:extLst>
-      <p:ext uri="{BB962C8B-B14F-4D97-AF65-F5344CB8AC3E}">
-        <p14:creationId xmlns:p14="http://schemas.microsoft.com/office/powerpoint/2010/main" val="2985523300"/>
-      </p:ext>
-    </p:extLst>
   </p:cSld>
   <p:clrMap bg1="lt1" tx1="dk1" bg2="lt2" tx2="dk2" accent1="accent1" accent2="accent2" accent3="accent3" accent4="accent4" accent5="accent5" accent6="accent6" hlink="hlink" folHlink="folHlink"/>
   <p:notesStyle>
@@ -520,7 +513,7 @@
               <a:spcAft>
                 <a:spcPts val="600"/>
               </a:spcAft>
-              <a:buFont typeface="Wingdings" pitchFamily="2" charset="2"/>
+              <a:buFont typeface="Wingdings" panose="05000000000000000000" pitchFamily="2" charset="2"/>
               <a:buNone/>
             </a:pPr>
             <a:endParaRPr kumimoji="1" lang="en-US" altLang="zh-CN" sz="2000" dirty="0">
@@ -550,18 +543,12 @@
           <a:p>
             <a:fld id="{342BD532-8DD0-4EA2-8A01-4E78B9DBC2F9}" type="slidenum">
               <a:rPr lang="en-US" smtClean="0"/>
-              <a:t>2</a:t>
             </a:fld>
             <a:endParaRPr lang="en-US"/>
           </a:p>
         </p:txBody>
       </p:sp>
     </p:spTree>
-    <p:extLst>
-      <p:ext uri="{BB962C8B-B14F-4D97-AF65-F5344CB8AC3E}">
-        <p14:creationId xmlns:p14="http://schemas.microsoft.com/office/powerpoint/2010/main" val="4219779938"/>
-      </p:ext>
-    </p:extLst>
   </p:cSld>
   <p:clrMapOvr>
     <a:masterClrMapping/>
@@ -710,53 +697,53 @@
               <a:gd name="connsiteY3" fmla="*/ 1498600 h 1498600"/>
               <a:gd name="connsiteX4" fmla="*/ 0 w 7404100"/>
               <a:gd name="connsiteY4" fmla="*/ 0 h 1498600"/>
-              <a:gd name="connsiteX0" fmla="*/ 0 w 7404100"/>
-              <a:gd name="connsiteY0" fmla="*/ 0 h 1498600"/>
-              <a:gd name="connsiteX1" fmla="*/ 6121400 w 7404100"/>
-              <a:gd name="connsiteY1" fmla="*/ 0 h 1498600"/>
-              <a:gd name="connsiteX2" fmla="*/ 7404100 w 7404100"/>
-              <a:gd name="connsiteY2" fmla="*/ 1498600 h 1498600"/>
-              <a:gd name="connsiteX3" fmla="*/ 0 w 7404100"/>
-              <a:gd name="connsiteY3" fmla="*/ 1498600 h 1498600"/>
-              <a:gd name="connsiteX4" fmla="*/ 0 w 7404100"/>
-              <a:gd name="connsiteY4" fmla="*/ 0 h 1498600"/>
-              <a:gd name="connsiteX0" fmla="*/ 0 w 8280400"/>
-              <a:gd name="connsiteY0" fmla="*/ 0 h 1511300"/>
-              <a:gd name="connsiteX1" fmla="*/ 6121400 w 8280400"/>
-              <a:gd name="connsiteY1" fmla="*/ 0 h 1511300"/>
-              <a:gd name="connsiteX2" fmla="*/ 8280400 w 8280400"/>
-              <a:gd name="connsiteY2" fmla="*/ 1511300 h 1511300"/>
-              <a:gd name="connsiteX3" fmla="*/ 0 w 8280400"/>
-              <a:gd name="connsiteY3" fmla="*/ 1498600 h 1511300"/>
-              <a:gd name="connsiteX4" fmla="*/ 0 w 8280400"/>
-              <a:gd name="connsiteY4" fmla="*/ 0 h 1511300"/>
-              <a:gd name="connsiteX0" fmla="*/ 6350 w 8286750"/>
-              <a:gd name="connsiteY0" fmla="*/ 0 h 1511300"/>
-              <a:gd name="connsiteX1" fmla="*/ 6127750 w 8286750"/>
-              <a:gd name="connsiteY1" fmla="*/ 0 h 1511300"/>
-              <a:gd name="connsiteX2" fmla="*/ 8286750 w 8286750"/>
-              <a:gd name="connsiteY2" fmla="*/ 1511300 h 1511300"/>
-              <a:gd name="connsiteX3" fmla="*/ 0 w 8286750"/>
-              <a:gd name="connsiteY3" fmla="*/ 1504950 h 1511300"/>
-              <a:gd name="connsiteX4" fmla="*/ 6350 w 8286750"/>
-              <a:gd name="connsiteY4" fmla="*/ 0 h 1511300"/>
+              <a:gd name="connsiteX0-1" fmla="*/ 0 w 7404100"/>
+              <a:gd name="connsiteY0-2" fmla="*/ 0 h 1498600"/>
+              <a:gd name="connsiteX1-3" fmla="*/ 6121400 w 7404100"/>
+              <a:gd name="connsiteY1-4" fmla="*/ 0 h 1498600"/>
+              <a:gd name="connsiteX2-5" fmla="*/ 7404100 w 7404100"/>
+              <a:gd name="connsiteY2-6" fmla="*/ 1498600 h 1498600"/>
+              <a:gd name="connsiteX3-7" fmla="*/ 0 w 7404100"/>
+              <a:gd name="connsiteY3-8" fmla="*/ 1498600 h 1498600"/>
+              <a:gd name="connsiteX4-9" fmla="*/ 0 w 7404100"/>
+              <a:gd name="connsiteY4-10" fmla="*/ 0 h 1498600"/>
+              <a:gd name="connsiteX0-11" fmla="*/ 0 w 8280400"/>
+              <a:gd name="connsiteY0-12" fmla="*/ 0 h 1511300"/>
+              <a:gd name="connsiteX1-13" fmla="*/ 6121400 w 8280400"/>
+              <a:gd name="connsiteY1-14" fmla="*/ 0 h 1511300"/>
+              <a:gd name="connsiteX2-15" fmla="*/ 8280400 w 8280400"/>
+              <a:gd name="connsiteY2-16" fmla="*/ 1511300 h 1511300"/>
+              <a:gd name="connsiteX3-17" fmla="*/ 0 w 8280400"/>
+              <a:gd name="connsiteY3-18" fmla="*/ 1498600 h 1511300"/>
+              <a:gd name="connsiteX4-19" fmla="*/ 0 w 8280400"/>
+              <a:gd name="connsiteY4-20" fmla="*/ 0 h 1511300"/>
+              <a:gd name="connsiteX0-21" fmla="*/ 6350 w 8286750"/>
+              <a:gd name="connsiteY0-22" fmla="*/ 0 h 1511300"/>
+              <a:gd name="connsiteX1-23" fmla="*/ 6127750 w 8286750"/>
+              <a:gd name="connsiteY1-24" fmla="*/ 0 h 1511300"/>
+              <a:gd name="connsiteX2-25" fmla="*/ 8286750 w 8286750"/>
+              <a:gd name="connsiteY2-26" fmla="*/ 1511300 h 1511300"/>
+              <a:gd name="connsiteX3-27" fmla="*/ 0 w 8286750"/>
+              <a:gd name="connsiteY3-28" fmla="*/ 1504950 h 1511300"/>
+              <a:gd name="connsiteX4-29" fmla="*/ 6350 w 8286750"/>
+              <a:gd name="connsiteY4-30" fmla="*/ 0 h 1511300"/>
             </a:gdLst>
             <a:ahLst/>
             <a:cxnLst>
               <a:cxn ang="0">
-                <a:pos x="connsiteX0" y="connsiteY0"/>
+                <a:pos x="connsiteX0-1" y="connsiteY0-2"/>
               </a:cxn>
               <a:cxn ang="0">
-                <a:pos x="connsiteX1" y="connsiteY1"/>
+                <a:pos x="connsiteX1-3" y="connsiteY1-4"/>
               </a:cxn>
               <a:cxn ang="0">
-                <a:pos x="connsiteX2" y="connsiteY2"/>
+                <a:pos x="connsiteX2-5" y="connsiteY2-6"/>
               </a:cxn>
               <a:cxn ang="0">
-                <a:pos x="connsiteX3" y="connsiteY3"/>
+                <a:pos x="connsiteX3-7" y="connsiteY3-8"/>
               </a:cxn>
               <a:cxn ang="0">
-                <a:pos x="connsiteX4" y="connsiteY4"/>
+                <a:pos x="connsiteX4-9" y="connsiteY4-10"/>
               </a:cxn>
             </a:cxnLst>
             <a:rect l="l" t="t" r="r" b="b"/>
@@ -839,33 +826,33 @@
               <a:gd name="connsiteY3" fmla="*/ 825500 h 825500"/>
               <a:gd name="connsiteX4" fmla="*/ 0 w 2692400"/>
               <a:gd name="connsiteY4" fmla="*/ 0 h 825500"/>
-              <a:gd name="connsiteX0" fmla="*/ 0 w 2692400"/>
-              <a:gd name="connsiteY0" fmla="*/ 0 h 825500"/>
-              <a:gd name="connsiteX1" fmla="*/ 2692400 w 2692400"/>
-              <a:gd name="connsiteY1" fmla="*/ 0 h 825500"/>
-              <a:gd name="connsiteX2" fmla="*/ 2692400 w 2692400"/>
-              <a:gd name="connsiteY2" fmla="*/ 825500 h 825500"/>
-              <a:gd name="connsiteX3" fmla="*/ 965200 w 2692400"/>
-              <a:gd name="connsiteY3" fmla="*/ 825500 h 825500"/>
-              <a:gd name="connsiteX4" fmla="*/ 0 w 2692400"/>
-              <a:gd name="connsiteY4" fmla="*/ 0 h 825500"/>
+              <a:gd name="connsiteX0-1" fmla="*/ 0 w 2692400"/>
+              <a:gd name="connsiteY0-2" fmla="*/ 0 h 825500"/>
+              <a:gd name="connsiteX1-3" fmla="*/ 2692400 w 2692400"/>
+              <a:gd name="connsiteY1-4" fmla="*/ 0 h 825500"/>
+              <a:gd name="connsiteX2-5" fmla="*/ 2692400 w 2692400"/>
+              <a:gd name="connsiteY2-6" fmla="*/ 825500 h 825500"/>
+              <a:gd name="connsiteX3-7" fmla="*/ 965200 w 2692400"/>
+              <a:gd name="connsiteY3-8" fmla="*/ 825500 h 825500"/>
+              <a:gd name="connsiteX4-9" fmla="*/ 0 w 2692400"/>
+              <a:gd name="connsiteY4-10" fmla="*/ 0 h 825500"/>
             </a:gdLst>
             <a:ahLst/>
             <a:cxnLst>
               <a:cxn ang="0">
-                <a:pos x="connsiteX0" y="connsiteY0"/>
+                <a:pos x="connsiteX0-1" y="connsiteY0-2"/>
               </a:cxn>
               <a:cxn ang="0">
-                <a:pos x="connsiteX1" y="connsiteY1"/>
+                <a:pos x="connsiteX1-3" y="connsiteY1-4"/>
               </a:cxn>
               <a:cxn ang="0">
-                <a:pos x="connsiteX2" y="connsiteY2"/>
+                <a:pos x="connsiteX2-5" y="connsiteY2-6"/>
               </a:cxn>
               <a:cxn ang="0">
-                <a:pos x="connsiteX3" y="connsiteY3"/>
+                <a:pos x="connsiteX3-7" y="connsiteY3-8"/>
               </a:cxn>
               <a:cxn ang="0">
-                <a:pos x="connsiteX4" y="connsiteY4"/>
+                <a:pos x="connsiteX4-9" y="connsiteY4-10"/>
               </a:cxn>
             </a:cxnLst>
             <a:rect l="l" t="t" r="r" b="b"/>
@@ -1117,31 +1104,22 @@
         </p:txBody>
       </p:sp>
     </p:spTree>
-    <p:extLst>
-      <p:ext uri="{BB962C8B-B14F-4D97-AF65-F5344CB8AC3E}">
-        <p14:creationId xmlns:p14="http://schemas.microsoft.com/office/powerpoint/2010/main" val="1282511463"/>
-      </p:ext>
-    </p:extLst>
   </p:cSld>
   <p:clrMapOvr>
     <a:masterClrMapping/>
   </p:clrMapOvr>
-  <p:extLst>
-    <p:ext uri="{DCECCB84-F9BA-43D5-87BE-67443E8EF086}">
-      <p15:sldGuideLst xmlns:p15="http://schemas.microsoft.com/office/powerpoint/2012/main">
-        <p15:guide id="1" orient="horz" pos="2160">
-          <p15:clr>
-            <a:srgbClr val="FBAE40"/>
-          </p15:clr>
-        </p15:guide>
-        <p15:guide id="2" pos="3840">
-          <p15:clr>
-            <a:srgbClr val="FBAE40"/>
-          </p15:clr>
-        </p15:guide>
-      </p15:sldGuideLst>
-    </p:ext>
-  </p:extLst>
+  <mc:AlternateContent xmlns:mc="http://schemas.openxmlformats.org/markup-compatibility/2006">
+    <mc:Choice xmlns:p15="http://schemas.microsoft.com/office/powerpoint/2012/main" Requires="p15">
+      <p:transition xmlns:p14="http://schemas.microsoft.com/office/powerpoint/2010/main" spd="slow" Requires="p14" p14:dur="1250">
+        <p15:prstTrans prst="pageCurlDouble"/>
+      </p:transition>
+    </mc:Choice>
+    <mc:Fallback>
+      <p:transition spd="slow">
+        <p:fade/>
+      </p:transition>
+    </mc:Fallback>
+  </mc:AlternateContent>
 </p:sldLayout>
 </file>
 
@@ -1278,53 +1256,53 @@
               <a:gd name="connsiteY3" fmla="*/ 1498600 h 1498600"/>
               <a:gd name="connsiteX4" fmla="*/ 0 w 7404100"/>
               <a:gd name="connsiteY4" fmla="*/ 0 h 1498600"/>
-              <a:gd name="connsiteX0" fmla="*/ 0 w 7404100"/>
-              <a:gd name="connsiteY0" fmla="*/ 0 h 1498600"/>
-              <a:gd name="connsiteX1" fmla="*/ 6121400 w 7404100"/>
-              <a:gd name="connsiteY1" fmla="*/ 0 h 1498600"/>
-              <a:gd name="connsiteX2" fmla="*/ 7404100 w 7404100"/>
-              <a:gd name="connsiteY2" fmla="*/ 1498600 h 1498600"/>
-              <a:gd name="connsiteX3" fmla="*/ 0 w 7404100"/>
-              <a:gd name="connsiteY3" fmla="*/ 1498600 h 1498600"/>
-              <a:gd name="connsiteX4" fmla="*/ 0 w 7404100"/>
-              <a:gd name="connsiteY4" fmla="*/ 0 h 1498600"/>
-              <a:gd name="connsiteX0" fmla="*/ 0 w 8280400"/>
-              <a:gd name="connsiteY0" fmla="*/ 0 h 1511300"/>
-              <a:gd name="connsiteX1" fmla="*/ 6121400 w 8280400"/>
-              <a:gd name="connsiteY1" fmla="*/ 0 h 1511300"/>
-              <a:gd name="connsiteX2" fmla="*/ 8280400 w 8280400"/>
-              <a:gd name="connsiteY2" fmla="*/ 1511300 h 1511300"/>
-              <a:gd name="connsiteX3" fmla="*/ 0 w 8280400"/>
-              <a:gd name="connsiteY3" fmla="*/ 1498600 h 1511300"/>
-              <a:gd name="connsiteX4" fmla="*/ 0 w 8280400"/>
-              <a:gd name="connsiteY4" fmla="*/ 0 h 1511300"/>
-              <a:gd name="connsiteX0" fmla="*/ 6350 w 8286750"/>
-              <a:gd name="connsiteY0" fmla="*/ 0 h 1511300"/>
-              <a:gd name="connsiteX1" fmla="*/ 6127750 w 8286750"/>
-              <a:gd name="connsiteY1" fmla="*/ 0 h 1511300"/>
-              <a:gd name="connsiteX2" fmla="*/ 8286750 w 8286750"/>
-              <a:gd name="connsiteY2" fmla="*/ 1511300 h 1511300"/>
-              <a:gd name="connsiteX3" fmla="*/ 0 w 8286750"/>
-              <a:gd name="connsiteY3" fmla="*/ 1504950 h 1511300"/>
-              <a:gd name="connsiteX4" fmla="*/ 6350 w 8286750"/>
-              <a:gd name="connsiteY4" fmla="*/ 0 h 1511300"/>
+              <a:gd name="connsiteX0-1" fmla="*/ 0 w 7404100"/>
+              <a:gd name="connsiteY0-2" fmla="*/ 0 h 1498600"/>
+              <a:gd name="connsiteX1-3" fmla="*/ 6121400 w 7404100"/>
+              <a:gd name="connsiteY1-4" fmla="*/ 0 h 1498600"/>
+              <a:gd name="connsiteX2-5" fmla="*/ 7404100 w 7404100"/>
+              <a:gd name="connsiteY2-6" fmla="*/ 1498600 h 1498600"/>
+              <a:gd name="connsiteX3-7" fmla="*/ 0 w 7404100"/>
+              <a:gd name="connsiteY3-8" fmla="*/ 1498600 h 1498600"/>
+              <a:gd name="connsiteX4-9" fmla="*/ 0 w 7404100"/>
+              <a:gd name="connsiteY4-10" fmla="*/ 0 h 1498600"/>
+              <a:gd name="connsiteX0-11" fmla="*/ 0 w 8280400"/>
+              <a:gd name="connsiteY0-12" fmla="*/ 0 h 1511300"/>
+              <a:gd name="connsiteX1-13" fmla="*/ 6121400 w 8280400"/>
+              <a:gd name="connsiteY1-14" fmla="*/ 0 h 1511300"/>
+              <a:gd name="connsiteX2-15" fmla="*/ 8280400 w 8280400"/>
+              <a:gd name="connsiteY2-16" fmla="*/ 1511300 h 1511300"/>
+              <a:gd name="connsiteX3-17" fmla="*/ 0 w 8280400"/>
+              <a:gd name="connsiteY3-18" fmla="*/ 1498600 h 1511300"/>
+              <a:gd name="connsiteX4-19" fmla="*/ 0 w 8280400"/>
+              <a:gd name="connsiteY4-20" fmla="*/ 0 h 1511300"/>
+              <a:gd name="connsiteX0-21" fmla="*/ 6350 w 8286750"/>
+              <a:gd name="connsiteY0-22" fmla="*/ 0 h 1511300"/>
+              <a:gd name="connsiteX1-23" fmla="*/ 6127750 w 8286750"/>
+              <a:gd name="connsiteY1-24" fmla="*/ 0 h 1511300"/>
+              <a:gd name="connsiteX2-25" fmla="*/ 8286750 w 8286750"/>
+              <a:gd name="connsiteY2-26" fmla="*/ 1511300 h 1511300"/>
+              <a:gd name="connsiteX3-27" fmla="*/ 0 w 8286750"/>
+              <a:gd name="connsiteY3-28" fmla="*/ 1504950 h 1511300"/>
+              <a:gd name="connsiteX4-29" fmla="*/ 6350 w 8286750"/>
+              <a:gd name="connsiteY4-30" fmla="*/ 0 h 1511300"/>
             </a:gdLst>
             <a:ahLst/>
             <a:cxnLst>
               <a:cxn ang="0">
-                <a:pos x="connsiteX0" y="connsiteY0"/>
+                <a:pos x="connsiteX0-1" y="connsiteY0-2"/>
               </a:cxn>
               <a:cxn ang="0">
-                <a:pos x="connsiteX1" y="connsiteY1"/>
+                <a:pos x="connsiteX1-3" y="connsiteY1-4"/>
               </a:cxn>
               <a:cxn ang="0">
-                <a:pos x="connsiteX2" y="connsiteY2"/>
+                <a:pos x="connsiteX2-5" y="connsiteY2-6"/>
               </a:cxn>
               <a:cxn ang="0">
-                <a:pos x="connsiteX3" y="connsiteY3"/>
+                <a:pos x="connsiteX3-7" y="connsiteY3-8"/>
               </a:cxn>
               <a:cxn ang="0">
-                <a:pos x="connsiteX4" y="connsiteY4"/>
+                <a:pos x="connsiteX4-9" y="connsiteY4-10"/>
               </a:cxn>
             </a:cxnLst>
             <a:rect l="l" t="t" r="r" b="b"/>
@@ -1407,33 +1385,33 @@
               <a:gd name="connsiteY3" fmla="*/ 825500 h 825500"/>
               <a:gd name="connsiteX4" fmla="*/ 0 w 2692400"/>
               <a:gd name="connsiteY4" fmla="*/ 0 h 825500"/>
-              <a:gd name="connsiteX0" fmla="*/ 0 w 2692400"/>
-              <a:gd name="connsiteY0" fmla="*/ 0 h 825500"/>
-              <a:gd name="connsiteX1" fmla="*/ 2692400 w 2692400"/>
-              <a:gd name="connsiteY1" fmla="*/ 0 h 825500"/>
-              <a:gd name="connsiteX2" fmla="*/ 2692400 w 2692400"/>
-              <a:gd name="connsiteY2" fmla="*/ 825500 h 825500"/>
-              <a:gd name="connsiteX3" fmla="*/ 965200 w 2692400"/>
-              <a:gd name="connsiteY3" fmla="*/ 825500 h 825500"/>
-              <a:gd name="connsiteX4" fmla="*/ 0 w 2692400"/>
-              <a:gd name="connsiteY4" fmla="*/ 0 h 825500"/>
+              <a:gd name="connsiteX0-1" fmla="*/ 0 w 2692400"/>
+              <a:gd name="connsiteY0-2" fmla="*/ 0 h 825500"/>
+              <a:gd name="connsiteX1-3" fmla="*/ 2692400 w 2692400"/>
+              <a:gd name="connsiteY1-4" fmla="*/ 0 h 825500"/>
+              <a:gd name="connsiteX2-5" fmla="*/ 2692400 w 2692400"/>
+              <a:gd name="connsiteY2-6" fmla="*/ 825500 h 825500"/>
+              <a:gd name="connsiteX3-7" fmla="*/ 965200 w 2692400"/>
+              <a:gd name="connsiteY3-8" fmla="*/ 825500 h 825500"/>
+              <a:gd name="connsiteX4-9" fmla="*/ 0 w 2692400"/>
+              <a:gd name="connsiteY4-10" fmla="*/ 0 h 825500"/>
             </a:gdLst>
             <a:ahLst/>
             <a:cxnLst>
               <a:cxn ang="0">
-                <a:pos x="connsiteX0" y="connsiteY0"/>
+                <a:pos x="connsiteX0-1" y="connsiteY0-2"/>
               </a:cxn>
               <a:cxn ang="0">
-                <a:pos x="connsiteX1" y="connsiteY1"/>
+                <a:pos x="connsiteX1-3" y="connsiteY1-4"/>
               </a:cxn>
               <a:cxn ang="0">
-                <a:pos x="connsiteX2" y="connsiteY2"/>
+                <a:pos x="connsiteX2-5" y="connsiteY2-6"/>
               </a:cxn>
               <a:cxn ang="0">
-                <a:pos x="connsiteX3" y="connsiteY3"/>
+                <a:pos x="connsiteX3-7" y="connsiteY3-8"/>
               </a:cxn>
               <a:cxn ang="0">
-                <a:pos x="connsiteX4" y="connsiteY4"/>
+                <a:pos x="connsiteX4-9" y="connsiteY4-10"/>
               </a:cxn>
             </a:cxnLst>
             <a:rect l="l" t="t" r="r" b="b"/>
@@ -1678,31 +1656,22 @@
         </p:txBody>
       </p:sp>
     </p:spTree>
-    <p:extLst>
-      <p:ext uri="{BB962C8B-B14F-4D97-AF65-F5344CB8AC3E}">
-        <p14:creationId xmlns:p14="http://schemas.microsoft.com/office/powerpoint/2010/main" val="857103893"/>
-      </p:ext>
-    </p:extLst>
   </p:cSld>
   <p:clrMapOvr>
     <a:masterClrMapping/>
   </p:clrMapOvr>
-  <p:extLst>
-    <p:ext uri="{DCECCB84-F9BA-43D5-87BE-67443E8EF086}">
-      <p15:sldGuideLst xmlns:p15="http://schemas.microsoft.com/office/powerpoint/2012/main">
-        <p15:guide id="1" orient="horz" pos="2160">
-          <p15:clr>
-            <a:srgbClr val="FBAE40"/>
-          </p15:clr>
-        </p15:guide>
-        <p15:guide id="2" pos="3840">
-          <p15:clr>
-            <a:srgbClr val="FBAE40"/>
-          </p15:clr>
-        </p15:guide>
-      </p15:sldGuideLst>
-    </p:ext>
-  </p:extLst>
+  <mc:AlternateContent xmlns:mc="http://schemas.openxmlformats.org/markup-compatibility/2006">
+    <mc:Choice xmlns:p15="http://schemas.microsoft.com/office/powerpoint/2012/main" Requires="p15">
+      <p:transition xmlns:p14="http://schemas.microsoft.com/office/powerpoint/2010/main" spd="slow" Requires="p14" p14:dur="1250">
+        <p15:prstTrans prst="pageCurlDouble"/>
+      </p:transition>
+    </mc:Choice>
+    <mc:Fallback>
+      <p:transition spd="slow">
+        <p:fade/>
+      </p:transition>
+    </mc:Fallback>
+  </mc:AlternateContent>
 </p:sldLayout>
 </file>
 
@@ -2023,22 +1992,17 @@
         </p:spPr>
       </p:pic>
     </p:spTree>
-    <p:extLst>
-      <p:ext uri="{BB962C8B-B14F-4D97-AF65-F5344CB8AC3E}">
-        <p14:creationId xmlns:p14="http://schemas.microsoft.com/office/powerpoint/2010/main" val="442907766"/>
-      </p:ext>
-    </p:extLst>
   </p:cSld>
   <p:clrMapOvr>
     <a:masterClrMapping/>
   </p:clrMapOvr>
-  <mc:AlternateContent xmlns:mc="http://schemas.openxmlformats.org/markup-compatibility/2006" xmlns:p15="http://schemas.microsoft.com/office/powerpoint/2012/main">
-    <mc:Choice Requires="p15">
-      <p:transition xmlns:p14="http://schemas.microsoft.com/office/powerpoint/2010/main" spd="slow" p14:dur="1250">
+  <mc:AlternateContent xmlns:mc="http://schemas.openxmlformats.org/markup-compatibility/2006">
+    <mc:Choice xmlns:p15="http://schemas.microsoft.com/office/powerpoint/2012/main" Requires="p15">
+      <p:transition xmlns:p14="http://schemas.microsoft.com/office/powerpoint/2010/main" spd="slow" Requires="p14" p14:dur="1250">
         <p15:prstTrans prst="pageCurlDouble"/>
       </p:transition>
     </mc:Choice>
-    <mc:Fallback xmlns="">
+    <mc:Fallback>
       <p:transition spd="slow">
         <p:fade/>
       </p:transition>
@@ -2302,22 +2266,17 @@
         </p:txBody>
       </p:sp>
     </p:spTree>
-    <p:extLst>
-      <p:ext uri="{BB962C8B-B14F-4D97-AF65-F5344CB8AC3E}">
-        <p14:creationId xmlns:p14="http://schemas.microsoft.com/office/powerpoint/2010/main" val="4277850178"/>
-      </p:ext>
-    </p:extLst>
   </p:cSld>
   <p:clrMapOvr>
     <a:masterClrMapping/>
   </p:clrMapOvr>
-  <mc:AlternateContent xmlns:mc="http://schemas.openxmlformats.org/markup-compatibility/2006" xmlns:p15="http://schemas.microsoft.com/office/powerpoint/2012/main">
-    <mc:Choice Requires="p15">
-      <p:transition xmlns:p14="http://schemas.microsoft.com/office/powerpoint/2010/main" spd="slow" p14:dur="1250">
+  <mc:AlternateContent xmlns:mc="http://schemas.openxmlformats.org/markup-compatibility/2006">
+    <mc:Choice xmlns:p15="http://schemas.microsoft.com/office/powerpoint/2012/main" Requires="p15">
+      <p:transition xmlns:p14="http://schemas.microsoft.com/office/powerpoint/2010/main" spd="slow" Requires="p14" p14:dur="1250">
         <p15:prstTrans prst="pageCurlDouble"/>
       </p:transition>
     </mc:Choice>
-    <mc:Fallback xmlns="">
+    <mc:Fallback>
       <p:transition spd="slow">
         <p:fade/>
       </p:transition>
@@ -2617,22 +2576,17 @@
         </p:txBody>
       </p:sp>
     </p:spTree>
-    <p:extLst>
-      <p:ext uri="{BB962C8B-B14F-4D97-AF65-F5344CB8AC3E}">
-        <p14:creationId xmlns:p14="http://schemas.microsoft.com/office/powerpoint/2010/main" val="2126962044"/>
-      </p:ext>
-    </p:extLst>
   </p:cSld>
   <p:clrMapOvr>
     <a:masterClrMapping/>
   </p:clrMapOvr>
-  <mc:AlternateContent xmlns:mc="http://schemas.openxmlformats.org/markup-compatibility/2006" xmlns:p15="http://schemas.microsoft.com/office/powerpoint/2012/main">
-    <mc:Choice Requires="p15">
-      <p:transition xmlns:p14="http://schemas.microsoft.com/office/powerpoint/2010/main" spd="slow" p14:dur="1250">
+  <mc:AlternateContent xmlns:mc="http://schemas.openxmlformats.org/markup-compatibility/2006">
+    <mc:Choice xmlns:p15="http://schemas.microsoft.com/office/powerpoint/2012/main" Requires="p15">
+      <p:transition xmlns:p14="http://schemas.microsoft.com/office/powerpoint/2010/main" spd="slow" Requires="p14" p14:dur="1250">
         <p15:prstTrans prst="pageCurlDouble"/>
       </p:transition>
     </mc:Choice>
-    <mc:Fallback xmlns="">
+    <mc:Fallback>
       <p:transition spd="slow">
         <p:fade/>
       </p:transition>
@@ -2941,6 +2895,7 @@
               <a:rPr lang="zh-CN" altLang="en-US"/>
               <a:t>单击此处编辑母版文本样式</a:t>
             </a:r>
+            <a:endParaRPr lang="zh-CN" altLang="en-US"/>
           </a:p>
           <a:p>
             <a:pPr lvl="1"/>
@@ -2948,6 +2903,7 @@
               <a:rPr lang="zh-CN" altLang="en-US"/>
               <a:t>二级</a:t>
             </a:r>
+            <a:endParaRPr lang="zh-CN" altLang="en-US"/>
           </a:p>
           <a:p>
             <a:pPr lvl="2"/>
@@ -2955,6 +2911,7 @@
               <a:rPr lang="zh-CN" altLang="en-US"/>
               <a:t>三级</a:t>
             </a:r>
+            <a:endParaRPr lang="zh-CN" altLang="en-US"/>
           </a:p>
           <a:p>
             <a:pPr lvl="3"/>
@@ -2962,6 +2919,7 @@
               <a:rPr lang="zh-CN" altLang="en-US"/>
               <a:t>四级</a:t>
             </a:r>
+            <a:endParaRPr lang="zh-CN" altLang="en-US"/>
           </a:p>
           <a:p>
             <a:pPr lvl="4"/>
@@ -3096,22 +3054,17 @@
         </p:txBody>
       </p:sp>
     </p:spTree>
-    <p:extLst>
-      <p:ext uri="{BB962C8B-B14F-4D97-AF65-F5344CB8AC3E}">
-        <p14:creationId xmlns:p14="http://schemas.microsoft.com/office/powerpoint/2010/main" val="3635908563"/>
-      </p:ext>
-    </p:extLst>
   </p:cSld>
   <p:clrMapOvr>
     <a:masterClrMapping/>
   </p:clrMapOvr>
-  <mc:AlternateContent xmlns:mc="http://schemas.openxmlformats.org/markup-compatibility/2006" xmlns:p15="http://schemas.microsoft.com/office/powerpoint/2012/main">
-    <mc:Choice Requires="p15">
-      <p:transition xmlns:p14="http://schemas.microsoft.com/office/powerpoint/2010/main" spd="slow" p14:dur="1250">
+  <mc:AlternateContent xmlns:mc="http://schemas.openxmlformats.org/markup-compatibility/2006">
+    <mc:Choice xmlns:p15="http://schemas.microsoft.com/office/powerpoint/2012/main" Requires="p15">
+      <p:transition xmlns:p14="http://schemas.microsoft.com/office/powerpoint/2010/main" spd="slow" Requires="p14" p14:dur="1250">
         <p15:prstTrans prst="pageCurlDouble"/>
       </p:transition>
     </mc:Choice>
-    <mc:Fallback xmlns="">
+    <mc:Fallback>
       <p:transition spd="slow">
         <p:fade/>
       </p:transition>
@@ -3203,22 +3156,17 @@
         </p:txBody>
       </p:sp>
     </p:spTree>
-    <p:extLst>
-      <p:ext uri="{BB962C8B-B14F-4D97-AF65-F5344CB8AC3E}">
-        <p14:creationId xmlns:p14="http://schemas.microsoft.com/office/powerpoint/2010/main" val="545429262"/>
-      </p:ext>
-    </p:extLst>
   </p:cSld>
   <p:clrMapOvr>
     <a:masterClrMapping/>
   </p:clrMapOvr>
-  <mc:AlternateContent xmlns:mc="http://schemas.openxmlformats.org/markup-compatibility/2006" xmlns:p15="http://schemas.microsoft.com/office/powerpoint/2012/main">
-    <mc:Choice Requires="p15">
-      <p:transition xmlns:p14="http://schemas.microsoft.com/office/powerpoint/2010/main" spd="slow" p14:dur="1250">
+  <mc:AlternateContent xmlns:mc="http://schemas.openxmlformats.org/markup-compatibility/2006">
+    <mc:Choice xmlns:p15="http://schemas.microsoft.com/office/powerpoint/2012/main" Requires="p15">
+      <p:transition xmlns:p14="http://schemas.microsoft.com/office/powerpoint/2010/main" spd="slow" Requires="p14" p14:dur="1250">
         <p15:prstTrans prst="pageCurlDouble"/>
       </p:transition>
     </mc:Choice>
-    <mc:Fallback xmlns="">
+    <mc:Fallback>
       <p:transition spd="slow">
         <p:fade/>
       </p:transition>
@@ -3537,22 +3485,17 @@
         </p:txBody>
       </p:sp>
     </p:spTree>
-    <p:extLst>
-      <p:ext uri="{BB962C8B-B14F-4D97-AF65-F5344CB8AC3E}">
-        <p14:creationId xmlns:p14="http://schemas.microsoft.com/office/powerpoint/2010/main" val="3115834710"/>
-      </p:ext>
-    </p:extLst>
   </p:cSld>
   <p:clrMapOvr>
     <a:masterClrMapping/>
   </p:clrMapOvr>
-  <mc:AlternateContent xmlns:mc="http://schemas.openxmlformats.org/markup-compatibility/2006" xmlns:p15="http://schemas.microsoft.com/office/powerpoint/2012/main">
-    <mc:Choice Requires="p15">
-      <p:transition xmlns:p14="http://schemas.microsoft.com/office/powerpoint/2010/main" spd="slow" p14:dur="1250">
+  <mc:AlternateContent xmlns:mc="http://schemas.openxmlformats.org/markup-compatibility/2006">
+    <mc:Choice xmlns:p15="http://schemas.microsoft.com/office/powerpoint/2012/main" Requires="p15">
+      <p:transition xmlns:p14="http://schemas.microsoft.com/office/powerpoint/2010/main" spd="slow" Requires="p14" p14:dur="1250">
         <p15:prstTrans prst="pageCurlDouble"/>
       </p:transition>
     </mc:Choice>
-    <mc:Fallback xmlns="">
+    <mc:Fallback>
       <p:transition spd="slow">
         <p:fade/>
       </p:transition>
@@ -3615,6 +3558,7 @@
               <a:rPr lang="zh-CN" altLang="en-US" dirty="0"/>
               <a:t>单击此处编辑母版标题样式</a:t>
             </a:r>
+            <a:endParaRPr lang="zh-CN" altLang="en-US" dirty="0"/>
           </a:p>
         </p:txBody>
       </p:sp>
@@ -3648,6 +3592,7 @@
               <a:rPr lang="zh-CN" altLang="en-US" dirty="0"/>
               <a:t>单击此处编辑母版文本样式</a:t>
             </a:r>
+            <a:endParaRPr lang="zh-CN" altLang="en-US" dirty="0"/>
           </a:p>
           <a:p>
             <a:pPr lvl="1"/>
@@ -3655,6 +3600,7 @@
               <a:rPr lang="zh-CN" altLang="en-US" dirty="0"/>
               <a:t>第二级</a:t>
             </a:r>
+            <a:endParaRPr lang="zh-CN" altLang="en-US" dirty="0"/>
           </a:p>
           <a:p>
             <a:pPr lvl="2"/>
@@ -3662,6 +3608,7 @@
               <a:rPr lang="zh-CN" altLang="en-US" dirty="0"/>
               <a:t>第三级</a:t>
             </a:r>
+            <a:endParaRPr lang="zh-CN" altLang="en-US" dirty="0"/>
           </a:p>
           <a:p>
             <a:pPr lvl="3"/>
@@ -3669,6 +3616,7 @@
               <a:rPr lang="zh-CN" altLang="en-US" dirty="0"/>
               <a:t>第四级</a:t>
             </a:r>
+            <a:endParaRPr lang="zh-CN" altLang="en-US" dirty="0"/>
           </a:p>
           <a:p>
             <a:pPr lvl="4"/>
@@ -3676,6 +3624,7 @@
               <a:rPr lang="zh-CN" altLang="en-US" dirty="0"/>
               <a:t>第五级</a:t>
             </a:r>
+            <a:endParaRPr lang="zh-CN" altLang="en-US" dirty="0"/>
           </a:p>
         </p:txBody>
       </p:sp>
@@ -3712,7 +3661,6 @@
           <a:p>
             <a:fld id="{869EA4F5-1D5E-4A91-9E2A-B27FB3446B2D}" type="datetimeFigureOut">
               <a:rPr lang="zh-CN" altLang="en-US" smtClean="0"/>
-              <a:t>2020/11/22</a:t>
             </a:fld>
             <a:endParaRPr lang="zh-CN" altLang="en-US"/>
           </a:p>
@@ -3786,37 +3734,31 @@
           <a:p>
             <a:fld id="{EB990A57-B04F-44AB-8EC8-F6089830FB26}" type="slidenum">
               <a:rPr lang="zh-CN" altLang="en-US" smtClean="0"/>
-              <a:t>‹#›</a:t>
             </a:fld>
             <a:endParaRPr lang="zh-CN" altLang="en-US"/>
           </a:p>
         </p:txBody>
       </p:sp>
     </p:spTree>
-    <p:extLst>
-      <p:ext uri="{BB962C8B-B14F-4D97-AF65-F5344CB8AC3E}">
-        <p14:creationId xmlns:p14="http://schemas.microsoft.com/office/powerpoint/2010/main" val="2608399450"/>
-      </p:ext>
-    </p:extLst>
   </p:cSld>
   <p:clrMap bg1="lt1" tx1="dk1" bg2="lt2" tx2="dk2" accent1="accent1" accent2="accent2" accent3="accent3" accent4="accent4" accent5="accent5" accent6="accent6" hlink="hlink" folHlink="folHlink"/>
   <p:sldLayoutIdLst>
-    <p:sldLayoutId id="2147483661" r:id="rId1"/>
-    <p:sldLayoutId id="2147483662" r:id="rId2"/>
-    <p:sldLayoutId id="2147483663" r:id="rId3"/>
-    <p:sldLayoutId id="2147483664" r:id="rId4"/>
-    <p:sldLayoutId id="2147483665" r:id="rId5"/>
-    <p:sldLayoutId id="2147483666" r:id="rId6"/>
-    <p:sldLayoutId id="2147483667" r:id="rId7"/>
-    <p:sldLayoutId id="2147483668" r:id="rId8"/>
+    <p:sldLayoutId id="2147483649" r:id="rId1"/>
+    <p:sldLayoutId id="2147483650" r:id="rId2"/>
+    <p:sldLayoutId id="2147483651" r:id="rId3"/>
+    <p:sldLayoutId id="2147483652" r:id="rId4"/>
+    <p:sldLayoutId id="2147483653" r:id="rId5"/>
+    <p:sldLayoutId id="2147483654" r:id="rId6"/>
+    <p:sldLayoutId id="2147483655" r:id="rId7"/>
+    <p:sldLayoutId id="2147483656" r:id="rId8"/>
   </p:sldLayoutIdLst>
-  <mc:AlternateContent xmlns:mc="http://schemas.openxmlformats.org/markup-compatibility/2006" xmlns:p15="http://schemas.microsoft.com/office/powerpoint/2012/main">
-    <mc:Choice Requires="p15">
-      <p:transition xmlns:p14="http://schemas.microsoft.com/office/powerpoint/2010/main" spd="slow" p14:dur="1250">
+  <mc:AlternateContent xmlns:mc="http://schemas.openxmlformats.org/markup-compatibility/2006">
+    <mc:Choice xmlns:p15="http://schemas.microsoft.com/office/powerpoint/2012/main" Requires="p15">
+      <p:transition xmlns:p14="http://schemas.microsoft.com/office/powerpoint/2010/main" spd="slow" Requires="p14" p14:dur="1250">
         <p15:prstTrans prst="pageCurlDouble"/>
       </p:transition>
     </mc:Choice>
-    <mc:Fallback xmlns="">
+    <mc:Fallback>
       <p:transition spd="slow">
         <p:fade/>
       </p:transition>
@@ -4102,22 +4044,6 @@
       </a:lvl9pPr>
     </p:otherStyle>
   </p:txStyles>
-  <p:extLst>
-    <p:ext uri="{27BBF7A9-308A-43DC-89C8-2F10F3537804}">
-      <p15:sldGuideLst xmlns:p15="http://schemas.microsoft.com/office/powerpoint/2012/main">
-        <p15:guide id="1" orient="horz" pos="2160">
-          <p15:clr>
-            <a:srgbClr val="F26B43"/>
-          </p15:clr>
-        </p15:guide>
-        <p15:guide id="2" pos="3840">
-          <p15:clr>
-            <a:srgbClr val="F26B43"/>
-          </p15:clr>
-        </p15:guide>
-      </p15:sldGuideLst>
-    </p:ext>
-  </p:extLst>
 </p:sldMaster>
 </file>
 
@@ -4127,7 +4053,7 @@
     <p:bg>
       <p:bgPr>
         <a:blipFill dpi="0" rotWithShape="1">
-          <a:blip r:embed="rId2">
+          <a:blip r:embed="rId1">
             <a:lum/>
           </a:blip>
           <a:srcRect/>
@@ -4154,13 +4080,7 @@
       </p:grpSpPr>
       <p:sp>
         <p:nvSpPr>
-          <p:cNvPr id="2" name="标题 1">
-            <a:extLst>
-              <a:ext uri="{FF2B5EF4-FFF2-40B4-BE49-F238E27FC236}">
-                <a16:creationId xmlns:a16="http://schemas.microsoft.com/office/drawing/2014/main" id="{5ABA135D-C0E0-427C-9ADD-636DB6F668C3}"/>
-              </a:ext>
-            </a:extLst>
-          </p:cNvPr>
+          <p:cNvPr id="2" name="标题 1"/>
           <p:cNvSpPr>
             <a:spLocks noGrp="1"/>
           </p:cNvSpPr>
@@ -4177,18 +4097,13 @@
               <a:rPr lang="zh-CN" altLang="en-US" sz="3200" spc="0" dirty="0"/>
               <a:t>基于机器学习的印花疵点检测系统</a:t>
             </a:r>
-          </a:p>
-        </p:txBody>
-      </p:sp>
-      <p:sp>
-        <p:nvSpPr>
-          <p:cNvPr id="3" name="副标题 2">
-            <a:extLst>
-              <a:ext uri="{FF2B5EF4-FFF2-40B4-BE49-F238E27FC236}">
-                <a16:creationId xmlns:a16="http://schemas.microsoft.com/office/drawing/2014/main" id="{7CBD69AC-B9C0-4782-9D11-E3B5445547C5}"/>
-              </a:ext>
-            </a:extLst>
-          </p:cNvPr>
+            <a:endParaRPr lang="zh-CN" altLang="en-US" sz="3200" spc="0" dirty="0"/>
+          </a:p>
+        </p:txBody>
+      </p:sp>
+      <p:sp>
+        <p:nvSpPr>
+          <p:cNvPr id="3" name="副标题 2"/>
           <p:cNvSpPr>
             <a:spLocks noGrp="1"/>
           </p:cNvSpPr>
@@ -4211,13 +4126,7 @@
       </p:sp>
       <p:sp>
         <p:nvSpPr>
-          <p:cNvPr id="4" name="文本框 3">
-            <a:extLst>
-              <a:ext uri="{FF2B5EF4-FFF2-40B4-BE49-F238E27FC236}">
-                <a16:creationId xmlns:a16="http://schemas.microsoft.com/office/drawing/2014/main" id="{5ACD771D-D988-49D6-9E6C-4AD7C2FD7802}"/>
-              </a:ext>
-            </a:extLst>
-          </p:cNvPr>
+          <p:cNvPr id="4" name="文本框 3"/>
           <p:cNvSpPr txBox="1"/>
           <p:nvPr/>
         </p:nvSpPr>
@@ -4287,15 +4196,22 @@
         </p:txBody>
       </p:sp>
     </p:spTree>
-    <p:extLst>
-      <p:ext uri="{BB962C8B-B14F-4D97-AF65-F5344CB8AC3E}">
-        <p14:creationId xmlns:p14="http://schemas.microsoft.com/office/powerpoint/2010/main" val="3852843267"/>
-      </p:ext>
-    </p:extLst>
   </p:cSld>
   <p:clrMapOvr>
     <a:masterClrMapping/>
   </p:clrMapOvr>
+  <mc:AlternateContent xmlns:mc="http://schemas.openxmlformats.org/markup-compatibility/2006">
+    <mc:Choice xmlns:p15="http://schemas.microsoft.com/office/powerpoint/2012/main" Requires="p15">
+      <p:transition xmlns:p14="http://schemas.microsoft.com/office/powerpoint/2010/main" spd="slow" Requires="p14" p14:dur="1250">
+        <p15:prstTrans prst="pageCurlDouble"/>
+      </p:transition>
+    </mc:Choice>
+    <mc:Fallback>
+      <p:transition spd="slow">
+        <p:fade/>
+      </p:transition>
+    </mc:Fallback>
+  </mc:AlternateContent>
 </p:sld>
 </file>
 
@@ -4342,18 +4258,13 @@
               <a:rPr lang="zh-CN" altLang="en-US" b="0" dirty="0"/>
               <a:t>目录</a:t>
             </a:r>
-          </a:p>
-        </p:txBody>
-      </p:sp>
-      <p:sp>
-        <p:nvSpPr>
-          <p:cNvPr id="2" name="文本框 1">
-            <a:extLst>
-              <a:ext uri="{FF2B5EF4-FFF2-40B4-BE49-F238E27FC236}">
-                <a16:creationId xmlns:a16="http://schemas.microsoft.com/office/drawing/2014/main" id="{940BBC29-74F2-42F5-A18F-D9612EFFEE1B}"/>
-              </a:ext>
-            </a:extLst>
-          </p:cNvPr>
+            <a:endParaRPr lang="zh-CN" altLang="en-US" b="0" dirty="0"/>
+          </a:p>
+        </p:txBody>
+      </p:sp>
+      <p:sp>
+        <p:nvSpPr>
+          <p:cNvPr id="2" name="文本框 1"/>
           <p:cNvSpPr txBox="1"/>
           <p:nvPr/>
         </p:nvSpPr>
@@ -4384,18 +4295,16 @@
               </a:rPr>
               <a:t>数据读取</a:t>
             </a:r>
-          </a:p>
-        </p:txBody>
-      </p:sp>
-      <p:sp>
-        <p:nvSpPr>
-          <p:cNvPr id="3" name="文本框 2">
-            <a:extLst>
-              <a:ext uri="{FF2B5EF4-FFF2-40B4-BE49-F238E27FC236}">
-                <a16:creationId xmlns:a16="http://schemas.microsoft.com/office/drawing/2014/main" id="{CA7E5ACB-2D62-427A-8677-F9E6346061D6}"/>
-              </a:ext>
-            </a:extLst>
-          </p:cNvPr>
+            <a:endParaRPr kumimoji="1" lang="zh-CN" altLang="en-US" sz="2400" b="1" dirty="0">
+              <a:latin typeface="Songti SC" panose="02010600040101010101" pitchFamily="2" charset="-122"/>
+              <a:ea typeface="Songti SC" panose="02010600040101010101" pitchFamily="2" charset="-122"/>
+            </a:endParaRPr>
+          </a:p>
+        </p:txBody>
+      </p:sp>
+      <p:sp>
+        <p:nvSpPr>
+          <p:cNvPr id="3" name="文本框 2"/>
           <p:cNvSpPr txBox="1"/>
           <p:nvPr/>
         </p:nvSpPr>
@@ -4467,13 +4376,7 @@
       </p:sp>
       <p:sp>
         <p:nvSpPr>
-          <p:cNvPr id="7" name="文本框 6">
-            <a:extLst>
-              <a:ext uri="{FF2B5EF4-FFF2-40B4-BE49-F238E27FC236}">
-                <a16:creationId xmlns:a16="http://schemas.microsoft.com/office/drawing/2014/main" id="{0D445BAB-9C54-4289-B826-0F8B62B447A2}"/>
-              </a:ext>
-            </a:extLst>
-          </p:cNvPr>
+          <p:cNvPr id="7" name="文本框 6"/>
           <p:cNvSpPr txBox="1"/>
           <p:nvPr/>
         </p:nvSpPr>
@@ -4504,18 +4407,16 @@
               </a:rPr>
               <a:t>数据预处理</a:t>
             </a:r>
-          </a:p>
-        </p:txBody>
-      </p:sp>
-      <p:sp>
-        <p:nvSpPr>
-          <p:cNvPr id="8" name="文本框 7">
-            <a:extLst>
-              <a:ext uri="{FF2B5EF4-FFF2-40B4-BE49-F238E27FC236}">
-                <a16:creationId xmlns:a16="http://schemas.microsoft.com/office/drawing/2014/main" id="{8CA81CDF-20DC-49D5-904F-C1C623157438}"/>
-              </a:ext>
-            </a:extLst>
-          </p:cNvPr>
+            <a:endParaRPr kumimoji="1" lang="zh-CN" altLang="en-US" sz="2400" b="1" dirty="0">
+              <a:latin typeface="Songti SC" panose="02010600040101010101" pitchFamily="2" charset="-122"/>
+              <a:ea typeface="Songti SC" panose="02010600040101010101" pitchFamily="2" charset="-122"/>
+            </a:endParaRPr>
+          </a:p>
+        </p:txBody>
+      </p:sp>
+      <p:sp>
+        <p:nvSpPr>
+          <p:cNvPr id="8" name="文本框 7"/>
           <p:cNvSpPr txBox="1"/>
           <p:nvPr/>
         </p:nvSpPr>
@@ -4557,18 +4458,16 @@
               </a:rPr>
               <a:t>，</a:t>
             </a:r>
-          </a:p>
-        </p:txBody>
-      </p:sp>
-      <p:sp>
-        <p:nvSpPr>
-          <p:cNvPr id="9" name="文本框 8">
-            <a:extLst>
-              <a:ext uri="{FF2B5EF4-FFF2-40B4-BE49-F238E27FC236}">
-                <a16:creationId xmlns:a16="http://schemas.microsoft.com/office/drawing/2014/main" id="{A52B9153-DA30-426A-B725-13946F024546}"/>
-              </a:ext>
-            </a:extLst>
-          </p:cNvPr>
+            <a:endParaRPr kumimoji="1" lang="zh-CN" altLang="en-US" sz="2400" dirty="0">
+              <a:latin typeface="Songti SC" panose="02010600040101010101" pitchFamily="2" charset="-122"/>
+              <a:ea typeface="Songti SC" panose="02010600040101010101" pitchFamily="2" charset="-122"/>
+            </a:endParaRPr>
+          </a:p>
+        </p:txBody>
+      </p:sp>
+      <p:sp>
+        <p:nvSpPr>
+          <p:cNvPr id="9" name="文本框 8"/>
           <p:cNvSpPr txBox="1"/>
           <p:nvPr/>
         </p:nvSpPr>
@@ -4599,18 +4498,16 @@
               </a:rPr>
               <a:t>网络训练</a:t>
             </a:r>
-          </a:p>
-        </p:txBody>
-      </p:sp>
-      <p:sp>
-        <p:nvSpPr>
-          <p:cNvPr id="12" name="文本框 11">
-            <a:extLst>
-              <a:ext uri="{FF2B5EF4-FFF2-40B4-BE49-F238E27FC236}">
-                <a16:creationId xmlns:a16="http://schemas.microsoft.com/office/drawing/2014/main" id="{E743C0FE-67C2-4C04-A74F-7B6F27491573}"/>
-              </a:ext>
-            </a:extLst>
-          </p:cNvPr>
+            <a:endParaRPr kumimoji="1" lang="zh-CN" altLang="en-US" sz="2400" b="1" dirty="0">
+              <a:latin typeface="Songti SC" panose="02010600040101010101" pitchFamily="2" charset="-122"/>
+              <a:ea typeface="Songti SC" panose="02010600040101010101" pitchFamily="2" charset="-122"/>
+            </a:endParaRPr>
+          </a:p>
+        </p:txBody>
+      </p:sp>
+      <p:sp>
+        <p:nvSpPr>
+          <p:cNvPr id="12" name="文本框 11"/>
           <p:cNvSpPr txBox="1"/>
           <p:nvPr/>
         </p:nvSpPr>
@@ -4638,18 +4535,16 @@
               </a:rPr>
               <a:t>卷积神经网络，前馈神经网络</a:t>
             </a:r>
-          </a:p>
-        </p:txBody>
-      </p:sp>
-      <p:sp>
-        <p:nvSpPr>
-          <p:cNvPr id="4" name="文本框 3">
-            <a:extLst>
-              <a:ext uri="{FF2B5EF4-FFF2-40B4-BE49-F238E27FC236}">
-                <a16:creationId xmlns:a16="http://schemas.microsoft.com/office/drawing/2014/main" id="{9DD933A7-2410-4C8D-A6CF-9FBEE37077E7}"/>
-              </a:ext>
-            </a:extLst>
-          </p:cNvPr>
+            <a:endParaRPr kumimoji="1" lang="zh-CN" altLang="en-US" sz="2400" dirty="0">
+              <a:latin typeface="Songti SC" panose="02010600040101010101" pitchFamily="2" charset="-122"/>
+              <a:ea typeface="Songti SC" panose="02010600040101010101" pitchFamily="2" charset="-122"/>
+            </a:endParaRPr>
+          </a:p>
+        </p:txBody>
+      </p:sp>
+      <p:sp>
+        <p:nvSpPr>
+          <p:cNvPr id="4" name="文本框 3"/>
           <p:cNvSpPr txBox="1"/>
           <p:nvPr/>
         </p:nvSpPr>
@@ -4677,18 +4572,16 @@
               </a:rPr>
               <a:t>其他相关方法</a:t>
             </a:r>
-          </a:p>
-        </p:txBody>
-      </p:sp>
-      <p:sp>
-        <p:nvSpPr>
-          <p:cNvPr id="5" name="文本框 4">
-            <a:extLst>
-              <a:ext uri="{FF2B5EF4-FFF2-40B4-BE49-F238E27FC236}">
-                <a16:creationId xmlns:a16="http://schemas.microsoft.com/office/drawing/2014/main" id="{54700236-0D03-44D8-981A-CE444C0B1EEE}"/>
-              </a:ext>
-            </a:extLst>
-          </p:cNvPr>
+            <a:endParaRPr kumimoji="1" lang="zh-CN" altLang="en-US" sz="2400" b="1" dirty="0">
+              <a:latin typeface="Songti SC" panose="02010600040101010101" pitchFamily="2" charset="-122"/>
+              <a:ea typeface="Songti SC" panose="02010600040101010101" pitchFamily="2" charset="-122"/>
+            </a:endParaRPr>
+          </a:p>
+        </p:txBody>
+      </p:sp>
+      <p:sp>
+        <p:nvSpPr>
+          <p:cNvPr id="5" name="文本框 4"/>
           <p:cNvSpPr txBox="1"/>
           <p:nvPr/>
         </p:nvSpPr>
@@ -4800,15 +4693,14 @@
               </a:rPr>
               <a:t>......</a:t>
             </a:r>
+            <a:endParaRPr kumimoji="1" lang="en-US" altLang="zh-CN" sz="2400" dirty="0">
+              <a:latin typeface="Songti SC" panose="02010600040101010101" pitchFamily="2" charset="-122"/>
+              <a:ea typeface="Songti SC" panose="02010600040101010101" pitchFamily="2" charset="-122"/>
+            </a:endParaRPr>
           </a:p>
         </p:txBody>
       </p:sp>
     </p:spTree>
-    <p:extLst>
-      <p:ext uri="{BB962C8B-B14F-4D97-AF65-F5344CB8AC3E}">
-        <p14:creationId xmlns:p14="http://schemas.microsoft.com/office/powerpoint/2010/main" val="2706815873"/>
-      </p:ext>
-    </p:extLst>
   </p:cSld>
   <p:clrMapOvr>
     <a:masterClrMapping/>
@@ -4843,13 +4735,7 @@
       </p:grpSpPr>
       <p:sp>
         <p:nvSpPr>
-          <p:cNvPr id="2" name="标题 1">
-            <a:extLst>
-              <a:ext uri="{FF2B5EF4-FFF2-40B4-BE49-F238E27FC236}">
-                <a16:creationId xmlns:a16="http://schemas.microsoft.com/office/drawing/2014/main" id="{67CF6F09-8245-4C1D-9DF8-628BA3366731}"/>
-              </a:ext>
-            </a:extLst>
-          </p:cNvPr>
+          <p:cNvPr id="2" name="标题 1"/>
           <p:cNvSpPr>
             <a:spLocks noGrp="1"/>
           </p:cNvSpPr>
@@ -4880,18 +4766,43 @@
               <a:rPr lang="zh-CN" altLang="en-US" dirty="0"/>
               <a:t>图像差分示例</a:t>
             </a:r>
+            <a:endParaRPr lang="zh-CN" altLang="en-US" dirty="0"/>
           </a:p>
         </p:txBody>
       </p:sp>
       <p:pic>
         <p:nvPicPr>
-          <p:cNvPr id="5" name="图片 4">
+          <p:cNvPr id="5" name="图片 4"/>
+          <p:cNvPicPr>
+            <a:picLocks noChangeAspect="1"/>
+          </p:cNvPicPr>
+          <p:nvPr/>
+        </p:nvPicPr>
+        <p:blipFill>
+          <a:blip r:embed="rId1">
             <a:extLst>
-              <a:ext uri="{FF2B5EF4-FFF2-40B4-BE49-F238E27FC236}">
-                <a16:creationId xmlns:a16="http://schemas.microsoft.com/office/drawing/2014/main" id="{64AC05B1-B468-4F09-8CCA-3B29CBE3D76D}"/>
+              <a:ext uri="{28A0092B-C50C-407E-A947-70E740481C1C}">
+                <a14:useLocalDpi xmlns:a14="http://schemas.microsoft.com/office/drawing/2010/main" val="0"/>
               </a:ext>
             </a:extLst>
-          </p:cNvPr>
+          </a:blip>
+          <a:stretch>
+            <a:fillRect/>
+          </a:stretch>
+        </p:blipFill>
+        <p:spPr>
+          <a:xfrm>
+            <a:off x="3093323" y="840419"/>
+            <a:ext cx="2641650" cy="2641650"/>
+          </a:xfrm>
+          <a:prstGeom prst="rect">
+            <a:avLst/>
+          </a:prstGeom>
+        </p:spPr>
+      </p:pic>
+      <p:pic>
+        <p:nvPicPr>
+          <p:cNvPr id="7" name="图片 6"/>
           <p:cNvPicPr>
             <a:picLocks noChangeAspect="1"/>
           </p:cNvPicPr>
@@ -4911,7 +4822,7 @@
         </p:blipFill>
         <p:spPr>
           <a:xfrm>
-            <a:off x="3093323" y="840419"/>
+            <a:off x="116149" y="840419"/>
             <a:ext cx="2641650" cy="2641650"/>
           </a:xfrm>
           <a:prstGeom prst="rect">
@@ -4921,20 +4832,45 @@
       </p:pic>
       <p:pic>
         <p:nvPicPr>
-          <p:cNvPr id="7" name="图片 6">
-            <a:extLst>
-              <a:ext uri="{FF2B5EF4-FFF2-40B4-BE49-F238E27FC236}">
-                <a16:creationId xmlns:a16="http://schemas.microsoft.com/office/drawing/2014/main" id="{700DE292-D481-4FB0-B86F-708273AD9B24}"/>
-              </a:ext>
-            </a:extLst>
-          </p:cNvPr>
+          <p:cNvPr id="9" name="图片 8"/>
           <p:cNvPicPr>
             <a:picLocks noChangeAspect="1"/>
           </p:cNvPicPr>
           <p:nvPr/>
         </p:nvPicPr>
+        <p:blipFill rotWithShape="1">
+          <a:blip r:embed="rId3">
+            <a:extLst>
+              <a:ext uri="{28A0092B-C50C-407E-A947-70E740481C1C}">
+                <a14:useLocalDpi xmlns:a14="http://schemas.microsoft.com/office/drawing/2010/main" val="0"/>
+              </a:ext>
+            </a:extLst>
+          </a:blip>
+          <a:srcRect l="22593" t="11856" r="19610" b="11013"/>
+          <a:stretch>
+            <a:fillRect/>
+          </a:stretch>
+        </p:blipFill>
+        <p:spPr>
+          <a:xfrm>
+            <a:off x="6052719" y="840419"/>
+            <a:ext cx="2641651" cy="2643962"/>
+          </a:xfrm>
+          <a:prstGeom prst="rect">
+            <a:avLst/>
+          </a:prstGeom>
+        </p:spPr>
+      </p:pic>
+      <p:pic>
+        <p:nvPicPr>
+          <p:cNvPr id="11" name="图片 10"/>
+          <p:cNvPicPr>
+            <a:picLocks noChangeAspect="1"/>
+          </p:cNvPicPr>
+          <p:nvPr/>
+        </p:nvPicPr>
         <p:blipFill>
-          <a:blip r:embed="rId3">
+          <a:blip r:embed="rId4">
             <a:extLst>
               <a:ext uri="{28A0092B-C50C-407E-A947-70E740481C1C}">
                 <a14:useLocalDpi xmlns:a14="http://schemas.microsoft.com/office/drawing/2010/main" val="0"/>
@@ -4947,8 +4883,8 @@
         </p:blipFill>
         <p:spPr>
           <a:xfrm>
-            <a:off x="116149" y="840419"/>
-            <a:ext cx="2641650" cy="2641650"/>
+            <a:off x="3093322" y="3795703"/>
+            <a:ext cx="2641651" cy="2641651"/>
           </a:xfrm>
           <a:prstGeom prst="rect">
             <a:avLst/>
@@ -4957,48 +4893,7 @@
       </p:pic>
       <p:pic>
         <p:nvPicPr>
-          <p:cNvPr id="9" name="图片 8">
-            <a:extLst>
-              <a:ext uri="{FF2B5EF4-FFF2-40B4-BE49-F238E27FC236}">
-                <a16:creationId xmlns:a16="http://schemas.microsoft.com/office/drawing/2014/main" id="{4F46738B-D078-4751-BF7F-50C2B309B062}"/>
-              </a:ext>
-            </a:extLst>
-          </p:cNvPr>
-          <p:cNvPicPr>
-            <a:picLocks noChangeAspect="1"/>
-          </p:cNvPicPr>
-          <p:nvPr/>
-        </p:nvPicPr>
-        <p:blipFill rotWithShape="1">
-          <a:blip r:embed="rId4">
-            <a:extLst>
-              <a:ext uri="{28A0092B-C50C-407E-A947-70E740481C1C}">
-                <a14:useLocalDpi xmlns:a14="http://schemas.microsoft.com/office/drawing/2010/main" val="0"/>
-              </a:ext>
-            </a:extLst>
-          </a:blip>
-          <a:srcRect l="22593" t="11856" r="19610" b="11013"/>
-          <a:stretch/>
-        </p:blipFill>
-        <p:spPr>
-          <a:xfrm>
-            <a:off x="6052719" y="840419"/>
-            <a:ext cx="2641651" cy="2643962"/>
-          </a:xfrm>
-          <a:prstGeom prst="rect">
-            <a:avLst/>
-          </a:prstGeom>
-        </p:spPr>
-      </p:pic>
-      <p:pic>
-        <p:nvPicPr>
-          <p:cNvPr id="11" name="图片 10">
-            <a:extLst>
-              <a:ext uri="{FF2B5EF4-FFF2-40B4-BE49-F238E27FC236}">
-                <a16:creationId xmlns:a16="http://schemas.microsoft.com/office/drawing/2014/main" id="{A104031E-0D9A-4908-8ECB-77276C543739}"/>
-              </a:ext>
-            </a:extLst>
-          </p:cNvPr>
+          <p:cNvPr id="13" name="图片 12"/>
           <p:cNvPicPr>
             <a:picLocks noChangeAspect="1"/>
           </p:cNvPicPr>
@@ -5018,8 +4913,8 @@
         </p:blipFill>
         <p:spPr>
           <a:xfrm>
-            <a:off x="3093322" y="3795703"/>
-            <a:ext cx="2641651" cy="2641651"/>
+            <a:off x="116149" y="3795703"/>
+            <a:ext cx="2641650" cy="2641650"/>
           </a:xfrm>
           <a:prstGeom prst="rect">
             <a:avLst/>
@@ -5028,19 +4923,13 @@
       </p:pic>
       <p:pic>
         <p:nvPicPr>
-          <p:cNvPr id="13" name="图片 12">
-            <a:extLst>
-              <a:ext uri="{FF2B5EF4-FFF2-40B4-BE49-F238E27FC236}">
-                <a16:creationId xmlns:a16="http://schemas.microsoft.com/office/drawing/2014/main" id="{A3BC6894-1654-46A4-A66F-FCCE5C51400A}"/>
-              </a:ext>
-            </a:extLst>
-          </p:cNvPr>
+          <p:cNvPr id="15" name="图片 14"/>
           <p:cNvPicPr>
             <a:picLocks noChangeAspect="1"/>
           </p:cNvPicPr>
           <p:nvPr/>
         </p:nvPicPr>
-        <p:blipFill>
+        <p:blipFill rotWithShape="1">
           <a:blip r:embed="rId6">
             <a:extLst>
               <a:ext uri="{28A0092B-C50C-407E-A947-70E740481C1C}">
@@ -5048,47 +4937,13 @@
               </a:ext>
             </a:extLst>
           </a:blip>
+          <a:srcRect l="22292" t="11866" r="19759" b="11475"/>
           <a:stretch>
             <a:fillRect/>
           </a:stretch>
         </p:blipFill>
         <p:spPr>
           <a:xfrm>
-            <a:off x="116149" y="3795703"/>
-            <a:ext cx="2641650" cy="2641650"/>
-          </a:xfrm>
-          <a:prstGeom prst="rect">
-            <a:avLst/>
-          </a:prstGeom>
-        </p:spPr>
-      </p:pic>
-      <p:pic>
-        <p:nvPicPr>
-          <p:cNvPr id="15" name="图片 14">
-            <a:extLst>
-              <a:ext uri="{FF2B5EF4-FFF2-40B4-BE49-F238E27FC236}">
-                <a16:creationId xmlns:a16="http://schemas.microsoft.com/office/drawing/2014/main" id="{F0FF5CDA-2311-4FA5-BD6C-51E6AB058973}"/>
-              </a:ext>
-            </a:extLst>
-          </p:cNvPr>
-          <p:cNvPicPr>
-            <a:picLocks noChangeAspect="1"/>
-          </p:cNvPicPr>
-          <p:nvPr/>
-        </p:nvPicPr>
-        <p:blipFill rotWithShape="1">
-          <a:blip r:embed="rId7">
-            <a:extLst>
-              <a:ext uri="{28A0092B-C50C-407E-A947-70E740481C1C}">
-                <a14:useLocalDpi xmlns:a14="http://schemas.microsoft.com/office/drawing/2010/main" val="0"/>
-              </a:ext>
-            </a:extLst>
-          </a:blip>
-          <a:srcRect l="22292" t="11866" r="19759" b="11475"/>
-          <a:stretch/>
-        </p:blipFill>
-        <p:spPr>
-          <a:xfrm>
             <a:off x="6031810" y="3747375"/>
             <a:ext cx="2662560" cy="2641650"/>
           </a:xfrm>
@@ -5099,13 +4954,7 @@
       </p:pic>
       <p:sp>
         <p:nvSpPr>
-          <p:cNvPr id="16" name="文本框 15">
-            <a:extLst>
-              <a:ext uri="{FF2B5EF4-FFF2-40B4-BE49-F238E27FC236}">
-                <a16:creationId xmlns:a16="http://schemas.microsoft.com/office/drawing/2014/main" id="{C14CE180-76BD-4844-BA0C-13CAB8C86F9B}"/>
-              </a:ext>
-            </a:extLst>
-          </p:cNvPr>
+          <p:cNvPr id="16" name="文本框 15"/>
           <p:cNvSpPr txBox="1"/>
           <p:nvPr/>
         </p:nvSpPr>
@@ -5133,18 +4982,16 @@
               </a:rPr>
               <a:t>类型：脏污</a:t>
             </a:r>
-          </a:p>
-        </p:txBody>
-      </p:sp>
-      <p:sp>
-        <p:nvSpPr>
-          <p:cNvPr id="17" name="文本框 16">
-            <a:extLst>
-              <a:ext uri="{FF2B5EF4-FFF2-40B4-BE49-F238E27FC236}">
-                <a16:creationId xmlns:a16="http://schemas.microsoft.com/office/drawing/2014/main" id="{6659FD13-822C-4FEB-86AF-A9286210163E}"/>
-              </a:ext>
-            </a:extLst>
-          </p:cNvPr>
+            <a:endParaRPr kumimoji="1" lang="zh-CN" altLang="en-US" sz="2400" dirty="0">
+              <a:latin typeface="Songti SC" panose="02010600040101010101" pitchFamily="2" charset="-122"/>
+              <a:ea typeface="Songti SC" panose="02010600040101010101" pitchFamily="2" charset="-122"/>
+            </a:endParaRPr>
+          </a:p>
+        </p:txBody>
+      </p:sp>
+      <p:sp>
+        <p:nvSpPr>
+          <p:cNvPr id="17" name="文本框 16"/>
           <p:cNvSpPr txBox="1"/>
           <p:nvPr/>
         </p:nvSpPr>
@@ -5172,26 +5019,25 @@
               </a:rPr>
               <a:t>类型：缝头</a:t>
             </a:r>
+            <a:endParaRPr kumimoji="1" lang="zh-CN" altLang="en-US" sz="2400" dirty="0">
+              <a:latin typeface="Songti SC" panose="02010600040101010101" pitchFamily="2" charset="-122"/>
+              <a:ea typeface="Songti SC" panose="02010600040101010101" pitchFamily="2" charset="-122"/>
+            </a:endParaRPr>
           </a:p>
         </p:txBody>
       </p:sp>
     </p:spTree>
-    <p:extLst>
-      <p:ext uri="{BB962C8B-B14F-4D97-AF65-F5344CB8AC3E}">
-        <p14:creationId xmlns:p14="http://schemas.microsoft.com/office/powerpoint/2010/main" val="2656617975"/>
-      </p:ext>
-    </p:extLst>
   </p:cSld>
   <p:clrMapOvr>
     <a:masterClrMapping/>
   </p:clrMapOvr>
-  <mc:AlternateContent xmlns:mc="http://schemas.openxmlformats.org/markup-compatibility/2006" xmlns:p15="http://schemas.microsoft.com/office/powerpoint/2012/main">
-    <mc:Choice Requires="p15">
-      <p:transition xmlns:p14="http://schemas.microsoft.com/office/powerpoint/2010/main" spd="slow" p14:dur="1250">
+  <mc:AlternateContent xmlns:mc="http://schemas.openxmlformats.org/markup-compatibility/2006">
+    <mc:Choice xmlns:p15="http://schemas.microsoft.com/office/powerpoint/2012/main" Requires="p15">
+      <p:transition xmlns:p14="http://schemas.microsoft.com/office/powerpoint/2010/main" spd="slow" Requires="p14" p14:dur="1250">
         <p15:prstTrans prst="pageCurlDouble"/>
       </p:transition>
     </mc:Choice>
-    <mc:Fallback xmlns="">
+    <mc:Fallback>
       <p:transition spd="slow">
         <p:fade/>
       </p:transition>
@@ -5219,13 +5065,7 @@
       </p:grpSpPr>
       <p:sp>
         <p:nvSpPr>
-          <p:cNvPr id="2" name="标题 1">
-            <a:extLst>
-              <a:ext uri="{FF2B5EF4-FFF2-40B4-BE49-F238E27FC236}">
-                <a16:creationId xmlns:a16="http://schemas.microsoft.com/office/drawing/2014/main" id="{AEFA5DCC-6CDD-4454-8E73-BF2A71BECD41}"/>
-              </a:ext>
-            </a:extLst>
-          </p:cNvPr>
+          <p:cNvPr id="2" name="标题 1"/>
           <p:cNvSpPr>
             <a:spLocks noGrp="1"/>
           </p:cNvSpPr>
@@ -5256,18 +5096,43 @@
               <a:rPr lang="zh-CN" altLang="en-US" dirty="0"/>
               <a:t>图像差分示例</a:t>
             </a:r>
+            <a:endParaRPr lang="zh-CN" altLang="en-US" dirty="0"/>
           </a:p>
         </p:txBody>
       </p:sp>
       <p:pic>
         <p:nvPicPr>
-          <p:cNvPr id="5" name="图片 4">
+          <p:cNvPr id="5" name="图片 4"/>
+          <p:cNvPicPr>
+            <a:picLocks noChangeAspect="1"/>
+          </p:cNvPicPr>
+          <p:nvPr/>
+        </p:nvPicPr>
+        <p:blipFill>
+          <a:blip r:embed="rId1">
             <a:extLst>
-              <a:ext uri="{FF2B5EF4-FFF2-40B4-BE49-F238E27FC236}">
-                <a16:creationId xmlns:a16="http://schemas.microsoft.com/office/drawing/2014/main" id="{51B32635-EF3F-4525-8255-C2C18AD117A2}"/>
+              <a:ext uri="{28A0092B-C50C-407E-A947-70E740481C1C}">
+                <a14:useLocalDpi xmlns:a14="http://schemas.microsoft.com/office/drawing/2010/main" val="0"/>
               </a:ext>
             </a:extLst>
-          </p:cNvPr>
+          </a:blip>
+          <a:stretch>
+            <a:fillRect/>
+          </a:stretch>
+        </p:blipFill>
+        <p:spPr>
+          <a:xfrm>
+            <a:off x="2788329" y="1088994"/>
+            <a:ext cx="2431742" cy="2431742"/>
+          </a:xfrm>
+          <a:prstGeom prst="rect">
+            <a:avLst/>
+          </a:prstGeom>
+        </p:spPr>
+      </p:pic>
+      <p:pic>
+        <p:nvPicPr>
+          <p:cNvPr id="7" name="图片 6"/>
           <p:cNvPicPr>
             <a:picLocks noChangeAspect="1"/>
           </p:cNvPicPr>
@@ -5287,7 +5152,7 @@
         </p:blipFill>
         <p:spPr>
           <a:xfrm>
-            <a:off x="2788329" y="1088994"/>
+            <a:off x="133905" y="1088994"/>
             <a:ext cx="2431742" cy="2431742"/>
           </a:xfrm>
           <a:prstGeom prst="rect">
@@ -5297,20 +5162,82 @@
       </p:pic>
       <p:pic>
         <p:nvPicPr>
-          <p:cNvPr id="7" name="图片 6">
-            <a:extLst>
-              <a:ext uri="{FF2B5EF4-FFF2-40B4-BE49-F238E27FC236}">
-                <a16:creationId xmlns:a16="http://schemas.microsoft.com/office/drawing/2014/main" id="{B651E8C0-27BA-4DE6-AF4E-3B65EED7B12C}"/>
-              </a:ext>
-            </a:extLst>
-          </p:cNvPr>
+          <p:cNvPr id="9" name="图片 8"/>
           <p:cNvPicPr>
             <a:picLocks noChangeAspect="1"/>
           </p:cNvPicPr>
           <p:nvPr/>
         </p:nvPicPr>
+        <p:blipFill rotWithShape="1">
+          <a:blip r:embed="rId3">
+            <a:extLst>
+              <a:ext uri="{28A0092B-C50C-407E-A947-70E740481C1C}">
+                <a14:useLocalDpi xmlns:a14="http://schemas.microsoft.com/office/drawing/2010/main" val="0"/>
+              </a:ext>
+            </a:extLst>
+          </a:blip>
+          <a:srcRect l="22288" t="12531" r="19914" b="11620"/>
+          <a:stretch>
+            <a:fillRect/>
+          </a:stretch>
+        </p:blipFill>
+        <p:spPr>
+          <a:xfrm>
+            <a:off x="5442753" y="1088994"/>
+            <a:ext cx="2431742" cy="2393447"/>
+          </a:xfrm>
+          <a:prstGeom prst="rect">
+            <a:avLst/>
+          </a:prstGeom>
+        </p:spPr>
+      </p:pic>
+      <p:sp>
+        <p:nvSpPr>
+          <p:cNvPr id="10" name="文本框 9"/>
+          <p:cNvSpPr txBox="1"/>
+          <p:nvPr/>
+        </p:nvSpPr>
+        <p:spPr>
+          <a:xfrm>
+            <a:off x="9241654" y="2074032"/>
+            <a:ext cx="1723549" cy="461665"/>
+          </a:xfrm>
+          <a:prstGeom prst="rect">
+            <a:avLst/>
+          </a:prstGeom>
+          <a:noFill/>
+        </p:spPr>
+        <p:txBody>
+          <a:bodyPr wrap="none" rtlCol="0">
+            <a:spAutoFit/>
+          </a:bodyPr>
+          <a:lstStyle/>
+          <a:p>
+            <a:pPr algn="l"/>
+            <a:r>
+              <a:rPr kumimoji="1" lang="zh-CN" altLang="en-US" sz="2400" dirty="0">
+                <a:latin typeface="Songti SC" panose="02010600040101010101" pitchFamily="2" charset="-122"/>
+                <a:ea typeface="Songti SC" panose="02010600040101010101" pitchFamily="2" charset="-122"/>
+              </a:rPr>
+              <a:t>类型：破洞</a:t>
+            </a:r>
+            <a:endParaRPr kumimoji="1" lang="zh-CN" altLang="en-US" sz="2400" dirty="0">
+              <a:latin typeface="Songti SC" panose="02010600040101010101" pitchFamily="2" charset="-122"/>
+              <a:ea typeface="Songti SC" panose="02010600040101010101" pitchFamily="2" charset="-122"/>
+            </a:endParaRPr>
+          </a:p>
+        </p:txBody>
+      </p:sp>
+      <p:pic>
+        <p:nvPicPr>
+          <p:cNvPr id="12" name="图片 11"/>
+          <p:cNvPicPr>
+            <a:picLocks noChangeAspect="1"/>
+          </p:cNvPicPr>
+          <p:nvPr/>
+        </p:nvPicPr>
         <p:blipFill>
-          <a:blip r:embed="rId3">
+          <a:blip r:embed="rId4">
             <a:extLst>
               <a:ext uri="{28A0092B-C50C-407E-A947-70E740481C1C}">
                 <a14:useLocalDpi xmlns:a14="http://schemas.microsoft.com/office/drawing/2010/main" val="0"/>
@@ -5323,7 +5250,7 @@
         </p:blipFill>
         <p:spPr>
           <a:xfrm>
-            <a:off x="133905" y="1088994"/>
+            <a:off x="133905" y="3768941"/>
             <a:ext cx="2431742" cy="2431742"/>
           </a:xfrm>
           <a:prstGeom prst="rect">
@@ -5333,87 +5260,7 @@
       </p:pic>
       <p:pic>
         <p:nvPicPr>
-          <p:cNvPr id="9" name="图片 8">
-            <a:extLst>
-              <a:ext uri="{FF2B5EF4-FFF2-40B4-BE49-F238E27FC236}">
-                <a16:creationId xmlns:a16="http://schemas.microsoft.com/office/drawing/2014/main" id="{76E2C6D0-001E-44B1-97BC-351519C6606B}"/>
-              </a:ext>
-            </a:extLst>
-          </p:cNvPr>
-          <p:cNvPicPr>
-            <a:picLocks noChangeAspect="1"/>
-          </p:cNvPicPr>
-          <p:nvPr/>
-        </p:nvPicPr>
-        <p:blipFill rotWithShape="1">
-          <a:blip r:embed="rId4">
-            <a:extLst>
-              <a:ext uri="{28A0092B-C50C-407E-A947-70E740481C1C}">
-                <a14:useLocalDpi xmlns:a14="http://schemas.microsoft.com/office/drawing/2010/main" val="0"/>
-              </a:ext>
-            </a:extLst>
-          </a:blip>
-          <a:srcRect l="22288" t="12531" r="19914" b="11620"/>
-          <a:stretch/>
-        </p:blipFill>
-        <p:spPr>
-          <a:xfrm>
-            <a:off x="5442753" y="1088994"/>
-            <a:ext cx="2431742" cy="2393447"/>
-          </a:xfrm>
-          <a:prstGeom prst="rect">
-            <a:avLst/>
-          </a:prstGeom>
-        </p:spPr>
-      </p:pic>
-      <p:sp>
-        <p:nvSpPr>
-          <p:cNvPr id="10" name="文本框 9">
-            <a:extLst>
-              <a:ext uri="{FF2B5EF4-FFF2-40B4-BE49-F238E27FC236}">
-                <a16:creationId xmlns:a16="http://schemas.microsoft.com/office/drawing/2014/main" id="{C51F7A50-2697-4F39-B9E7-A22BB27DC3CE}"/>
-              </a:ext>
-            </a:extLst>
-          </p:cNvPr>
-          <p:cNvSpPr txBox="1"/>
-          <p:nvPr/>
-        </p:nvSpPr>
-        <p:spPr>
-          <a:xfrm>
-            <a:off x="9241654" y="2074032"/>
-            <a:ext cx="1723549" cy="461665"/>
-          </a:xfrm>
-          <a:prstGeom prst="rect">
-            <a:avLst/>
-          </a:prstGeom>
-          <a:noFill/>
-        </p:spPr>
-        <p:txBody>
-          <a:bodyPr wrap="none" rtlCol="0">
-            <a:spAutoFit/>
-          </a:bodyPr>
-          <a:lstStyle/>
-          <a:p>
-            <a:pPr algn="l"/>
-            <a:r>
-              <a:rPr kumimoji="1" lang="zh-CN" altLang="en-US" sz="2400" dirty="0">
-                <a:latin typeface="Songti SC" panose="02010600040101010101" pitchFamily="2" charset="-122"/>
-                <a:ea typeface="Songti SC" panose="02010600040101010101" pitchFamily="2" charset="-122"/>
-              </a:rPr>
-              <a:t>类型：破洞</a:t>
-            </a:r>
-          </a:p>
-        </p:txBody>
-      </p:sp>
-      <p:pic>
-        <p:nvPicPr>
-          <p:cNvPr id="12" name="图片 11">
-            <a:extLst>
-              <a:ext uri="{FF2B5EF4-FFF2-40B4-BE49-F238E27FC236}">
-                <a16:creationId xmlns:a16="http://schemas.microsoft.com/office/drawing/2014/main" id="{71E3C069-DBFC-4F3A-84CD-939D793F56D5}"/>
-              </a:ext>
-            </a:extLst>
-          </p:cNvPr>
+          <p:cNvPr id="14" name="图片 13"/>
           <p:cNvPicPr>
             <a:picLocks noChangeAspect="1"/>
           </p:cNvPicPr>
@@ -5433,7 +5280,7 @@
         </p:blipFill>
         <p:spPr>
           <a:xfrm>
-            <a:off x="133905" y="3768941"/>
+            <a:off x="2788329" y="3768941"/>
             <a:ext cx="2431742" cy="2431742"/>
           </a:xfrm>
           <a:prstGeom prst="rect">
@@ -5443,19 +5290,13 @@
       </p:pic>
       <p:pic>
         <p:nvPicPr>
-          <p:cNvPr id="14" name="图片 13">
-            <a:extLst>
-              <a:ext uri="{FF2B5EF4-FFF2-40B4-BE49-F238E27FC236}">
-                <a16:creationId xmlns:a16="http://schemas.microsoft.com/office/drawing/2014/main" id="{570D4329-7E4F-478E-82BE-F3E33802A913}"/>
-              </a:ext>
-            </a:extLst>
-          </p:cNvPr>
+          <p:cNvPr id="16" name="图片 15"/>
           <p:cNvPicPr>
             <a:picLocks noChangeAspect="1"/>
           </p:cNvPicPr>
           <p:nvPr/>
         </p:nvPicPr>
-        <p:blipFill>
+        <p:blipFill rotWithShape="1">
           <a:blip r:embed="rId6">
             <a:extLst>
               <a:ext uri="{28A0092B-C50C-407E-A947-70E740481C1C}">
@@ -5463,47 +5304,13 @@
               </a:ext>
             </a:extLst>
           </a:blip>
+          <a:srcRect l="22392" t="12126" r="19912" b="12226"/>
           <a:stretch>
             <a:fillRect/>
           </a:stretch>
         </p:blipFill>
         <p:spPr>
           <a:xfrm>
-            <a:off x="2788329" y="3768941"/>
-            <a:ext cx="2431742" cy="2431742"/>
-          </a:xfrm>
-          <a:prstGeom prst="rect">
-            <a:avLst/>
-          </a:prstGeom>
-        </p:spPr>
-      </p:pic>
-      <p:pic>
-        <p:nvPicPr>
-          <p:cNvPr id="16" name="图片 15">
-            <a:extLst>
-              <a:ext uri="{FF2B5EF4-FFF2-40B4-BE49-F238E27FC236}">
-                <a16:creationId xmlns:a16="http://schemas.microsoft.com/office/drawing/2014/main" id="{BCBA2A56-7A32-4950-A5E5-50DD7E54B26C}"/>
-              </a:ext>
-            </a:extLst>
-          </p:cNvPr>
-          <p:cNvPicPr>
-            <a:picLocks noChangeAspect="1"/>
-          </p:cNvPicPr>
-          <p:nvPr/>
-        </p:nvPicPr>
-        <p:blipFill rotWithShape="1">
-          <a:blip r:embed="rId7">
-            <a:extLst>
-              <a:ext uri="{28A0092B-C50C-407E-A947-70E740481C1C}">
-                <a14:useLocalDpi xmlns:a14="http://schemas.microsoft.com/office/drawing/2010/main" val="0"/>
-              </a:ext>
-            </a:extLst>
-          </a:blip>
-          <a:srcRect l="22392" t="12126" r="19912" b="12226"/>
-          <a:stretch/>
-        </p:blipFill>
-        <p:spPr>
-          <a:xfrm>
             <a:off x="5442753" y="3768940"/>
             <a:ext cx="2431742" cy="2391249"/>
           </a:xfrm>
@@ -5514,13 +5321,7 @@
       </p:pic>
       <p:sp>
         <p:nvSpPr>
-          <p:cNvPr id="17" name="文本框 16">
-            <a:extLst>
-              <a:ext uri="{FF2B5EF4-FFF2-40B4-BE49-F238E27FC236}">
-                <a16:creationId xmlns:a16="http://schemas.microsoft.com/office/drawing/2014/main" id="{85F05AC2-54A5-4256-975E-C722F4A0A3DF}"/>
-              </a:ext>
-            </a:extLst>
-          </p:cNvPr>
+          <p:cNvPr id="17" name="文本框 16"/>
           <p:cNvSpPr txBox="1"/>
           <p:nvPr/>
         </p:nvSpPr>
@@ -5548,26 +5349,25 @@
               </a:rPr>
               <a:t>类型：无瑕点</a:t>
             </a:r>
+            <a:endParaRPr kumimoji="1" lang="zh-CN" altLang="en-US" sz="2400" dirty="0">
+              <a:latin typeface="Songti SC" panose="02010600040101010101" pitchFamily="2" charset="-122"/>
+              <a:ea typeface="Songti SC" panose="02010600040101010101" pitchFamily="2" charset="-122"/>
+            </a:endParaRPr>
           </a:p>
         </p:txBody>
       </p:sp>
     </p:spTree>
-    <p:extLst>
-      <p:ext uri="{BB962C8B-B14F-4D97-AF65-F5344CB8AC3E}">
-        <p14:creationId xmlns:p14="http://schemas.microsoft.com/office/powerpoint/2010/main" val="4013388713"/>
-      </p:ext>
-    </p:extLst>
   </p:cSld>
   <p:clrMapOvr>
     <a:masterClrMapping/>
   </p:clrMapOvr>
-  <mc:AlternateContent xmlns:mc="http://schemas.openxmlformats.org/markup-compatibility/2006" xmlns:p15="http://schemas.microsoft.com/office/powerpoint/2012/main">
-    <mc:Choice Requires="p15">
-      <p:transition xmlns:p14="http://schemas.microsoft.com/office/powerpoint/2010/main" spd="slow" p14:dur="1250">
+  <mc:AlternateContent xmlns:mc="http://schemas.openxmlformats.org/markup-compatibility/2006">
+    <mc:Choice xmlns:p15="http://schemas.microsoft.com/office/powerpoint/2012/main" Requires="p15">
+      <p:transition xmlns:p14="http://schemas.microsoft.com/office/powerpoint/2010/main" spd="slow" Requires="p14" p14:dur="1250">
         <p15:prstTrans prst="pageCurlDouble"/>
       </p:transition>
     </mc:Choice>
-    <mc:Fallback xmlns="">
+    <mc:Fallback>
       <p:transition spd="slow">
         <p:fade/>
       </p:transition>
@@ -5595,13 +5395,7 @@
       </p:grpSpPr>
       <p:sp>
         <p:nvSpPr>
-          <p:cNvPr id="2" name="标题 1">
-            <a:extLst>
-              <a:ext uri="{FF2B5EF4-FFF2-40B4-BE49-F238E27FC236}">
-                <a16:creationId xmlns:a16="http://schemas.microsoft.com/office/drawing/2014/main" id="{A8F6FC5D-17FD-41A4-9640-94529C21D57F}"/>
-              </a:ext>
-            </a:extLst>
-          </p:cNvPr>
+          <p:cNvPr id="2" name="标题 1"/>
           <p:cNvSpPr>
             <a:spLocks noGrp="1"/>
           </p:cNvSpPr>
@@ -5632,18 +5426,43 @@
               <a:rPr lang="zh-CN" altLang="en-US" dirty="0"/>
               <a:t>图像差分示例</a:t>
             </a:r>
+            <a:endParaRPr lang="zh-CN" altLang="en-US" dirty="0"/>
           </a:p>
         </p:txBody>
       </p:sp>
       <p:pic>
         <p:nvPicPr>
-          <p:cNvPr id="5" name="图片 4">
+          <p:cNvPr id="5" name="图片 4"/>
+          <p:cNvPicPr>
+            <a:picLocks noChangeAspect="1"/>
+          </p:cNvPicPr>
+          <p:nvPr/>
+        </p:nvPicPr>
+        <p:blipFill>
+          <a:blip r:embed="rId1">
             <a:extLst>
-              <a:ext uri="{FF2B5EF4-FFF2-40B4-BE49-F238E27FC236}">
-                <a16:creationId xmlns:a16="http://schemas.microsoft.com/office/drawing/2014/main" id="{2279DBE2-D2F6-4E2A-8D41-91B984A6A5D6}"/>
+              <a:ext uri="{28A0092B-C50C-407E-A947-70E740481C1C}">
+                <a14:useLocalDpi xmlns:a14="http://schemas.microsoft.com/office/drawing/2010/main" val="0"/>
               </a:ext>
             </a:extLst>
-          </p:cNvPr>
+          </a:blip>
+          <a:stretch>
+            <a:fillRect/>
+          </a:stretch>
+        </p:blipFill>
+        <p:spPr>
+          <a:xfrm>
+            <a:off x="114842" y="1068519"/>
+            <a:ext cx="2360482" cy="2360482"/>
+          </a:xfrm>
+          <a:prstGeom prst="rect">
+            <a:avLst/>
+          </a:prstGeom>
+        </p:spPr>
+      </p:pic>
+      <p:pic>
+        <p:nvPicPr>
+          <p:cNvPr id="7" name="图片 6"/>
           <p:cNvPicPr>
             <a:picLocks noChangeAspect="1"/>
           </p:cNvPicPr>
@@ -5663,7 +5482,7 @@
         </p:blipFill>
         <p:spPr>
           <a:xfrm>
-            <a:off x="114842" y="1068519"/>
+            <a:off x="2789068" y="1068519"/>
             <a:ext cx="2360482" cy="2360482"/>
           </a:xfrm>
           <a:prstGeom prst="rect">
@@ -5673,19 +5492,13 @@
       </p:pic>
       <p:pic>
         <p:nvPicPr>
-          <p:cNvPr id="7" name="图片 6">
-            <a:extLst>
-              <a:ext uri="{FF2B5EF4-FFF2-40B4-BE49-F238E27FC236}">
-                <a16:creationId xmlns:a16="http://schemas.microsoft.com/office/drawing/2014/main" id="{B38F91DC-66D5-4E34-A1F1-81565B5BE071}"/>
-              </a:ext>
-            </a:extLst>
-          </p:cNvPr>
+          <p:cNvPr id="9" name="图片 8"/>
           <p:cNvPicPr>
             <a:picLocks noChangeAspect="1"/>
           </p:cNvPicPr>
           <p:nvPr/>
         </p:nvPicPr>
-        <p:blipFill>
+        <p:blipFill rotWithShape="1">
           <a:blip r:embed="rId3">
             <a:extLst>
               <a:ext uri="{28A0092B-C50C-407E-A947-70E740481C1C}">
@@ -5693,47 +5506,13 @@
               </a:ext>
             </a:extLst>
           </a:blip>
+          <a:srcRect l="22039" t="12530" r="20163" b="11823"/>
           <a:stretch>
             <a:fillRect/>
           </a:stretch>
         </p:blipFill>
         <p:spPr>
           <a:xfrm>
-            <a:off x="2789068" y="1068519"/>
-            <a:ext cx="2360482" cy="2360482"/>
-          </a:xfrm>
-          <a:prstGeom prst="rect">
-            <a:avLst/>
-          </a:prstGeom>
-        </p:spPr>
-      </p:pic>
-      <p:pic>
-        <p:nvPicPr>
-          <p:cNvPr id="9" name="图片 8">
-            <a:extLst>
-              <a:ext uri="{FF2B5EF4-FFF2-40B4-BE49-F238E27FC236}">
-                <a16:creationId xmlns:a16="http://schemas.microsoft.com/office/drawing/2014/main" id="{46020FE6-0D2A-455B-A0EF-8061274FDC42}"/>
-              </a:ext>
-            </a:extLst>
-          </p:cNvPr>
-          <p:cNvPicPr>
-            <a:picLocks noChangeAspect="1"/>
-          </p:cNvPicPr>
-          <p:nvPr/>
-        </p:nvPicPr>
-        <p:blipFill rotWithShape="1">
-          <a:blip r:embed="rId4">
-            <a:extLst>
-              <a:ext uri="{28A0092B-C50C-407E-A947-70E740481C1C}">
-                <a14:useLocalDpi xmlns:a14="http://schemas.microsoft.com/office/drawing/2010/main" val="0"/>
-              </a:ext>
-            </a:extLst>
-          </a:blip>
-          <a:srcRect l="22039" t="12530" r="20163" b="11823"/>
-          <a:stretch/>
-        </p:blipFill>
-        <p:spPr>
-          <a:xfrm>
             <a:off x="5463294" y="1068519"/>
             <a:ext cx="2404663" cy="2360482"/>
           </a:xfrm>
@@ -5744,13 +5523,7 @@
       </p:pic>
       <p:sp>
         <p:nvSpPr>
-          <p:cNvPr id="10" name="文本框 9">
-            <a:extLst>
-              <a:ext uri="{FF2B5EF4-FFF2-40B4-BE49-F238E27FC236}">
-                <a16:creationId xmlns:a16="http://schemas.microsoft.com/office/drawing/2014/main" id="{963F3B49-C035-4461-A818-CCC461E3CF4B}"/>
-              </a:ext>
-            </a:extLst>
-          </p:cNvPr>
+          <p:cNvPr id="10" name="文本框 9"/>
           <p:cNvSpPr txBox="1"/>
           <p:nvPr/>
         </p:nvSpPr>
@@ -5786,22 +5559,17 @@
         </p:txBody>
       </p:sp>
     </p:spTree>
-    <p:extLst>
-      <p:ext uri="{BB962C8B-B14F-4D97-AF65-F5344CB8AC3E}">
-        <p14:creationId xmlns:p14="http://schemas.microsoft.com/office/powerpoint/2010/main" val="29342202"/>
-      </p:ext>
-    </p:extLst>
   </p:cSld>
   <p:clrMapOvr>
     <a:masterClrMapping/>
   </p:clrMapOvr>
-  <mc:AlternateContent xmlns:mc="http://schemas.openxmlformats.org/markup-compatibility/2006" xmlns:p15="http://schemas.microsoft.com/office/powerpoint/2012/main">
-    <mc:Choice Requires="p15">
-      <p:transition xmlns:p14="http://schemas.microsoft.com/office/powerpoint/2010/main" spd="slow" p14:dur="1250">
+  <mc:AlternateContent xmlns:mc="http://schemas.openxmlformats.org/markup-compatibility/2006">
+    <mc:Choice xmlns:p15="http://schemas.microsoft.com/office/powerpoint/2012/main" Requires="p15">
+      <p:transition xmlns:p14="http://schemas.microsoft.com/office/powerpoint/2010/main" spd="slow" Requires="p14" p14:dur="1250">
         <p15:prstTrans prst="pageCurlDouble"/>
       </p:transition>
     </mc:Choice>
-    <mc:Fallback xmlns="">
+    <mc:Fallback>
       <p:transition spd="slow">
         <p:fade/>
       </p:transition>
@@ -5829,13 +5597,7 @@
       </p:grpSpPr>
       <p:sp>
         <p:nvSpPr>
-          <p:cNvPr id="2" name="标题 1">
-            <a:extLst>
-              <a:ext uri="{FF2B5EF4-FFF2-40B4-BE49-F238E27FC236}">
-                <a16:creationId xmlns:a16="http://schemas.microsoft.com/office/drawing/2014/main" id="{3763417E-11DD-4D70-B268-F7FB1B174D1A}"/>
-              </a:ext>
-            </a:extLst>
-          </p:cNvPr>
+          <p:cNvPr id="2" name="标题 1"/>
           <p:cNvSpPr>
             <a:spLocks noGrp="1"/>
           </p:cNvSpPr>
@@ -5874,25 +5636,20 @@
               <a:rPr lang="zh-CN" altLang="en-US" dirty="0"/>
               <a:t>示例</a:t>
             </a:r>
+            <a:endParaRPr lang="zh-CN" altLang="en-US" dirty="0"/>
           </a:p>
         </p:txBody>
       </p:sp>
       <p:pic>
         <p:nvPicPr>
-          <p:cNvPr id="5" name="图片 4">
-            <a:extLst>
-              <a:ext uri="{FF2B5EF4-FFF2-40B4-BE49-F238E27FC236}">
-                <a16:creationId xmlns:a16="http://schemas.microsoft.com/office/drawing/2014/main" id="{968C218D-D35C-4686-A208-842AEC0555C5}"/>
-              </a:ext>
-            </a:extLst>
-          </p:cNvPr>
+          <p:cNvPr id="5" name="图片 4"/>
           <p:cNvPicPr>
             <a:picLocks noChangeAspect="1"/>
           </p:cNvPicPr>
           <p:nvPr/>
         </p:nvPicPr>
         <p:blipFill>
-          <a:blip r:embed="rId2"/>
+          <a:blip r:embed="rId1"/>
           <a:stretch>
             <a:fillRect/>
           </a:stretch>
@@ -5909,20 +5666,14 @@
       </p:pic>
       <p:pic>
         <p:nvPicPr>
-          <p:cNvPr id="7" name="图片 6">
-            <a:extLst>
-              <a:ext uri="{FF2B5EF4-FFF2-40B4-BE49-F238E27FC236}">
-                <a16:creationId xmlns:a16="http://schemas.microsoft.com/office/drawing/2014/main" id="{B606E7DC-CC84-4718-9FC3-561A299A3FB4}"/>
-              </a:ext>
-            </a:extLst>
-          </p:cNvPr>
+          <p:cNvPr id="7" name="图片 6"/>
           <p:cNvPicPr>
             <a:picLocks noChangeAspect="1"/>
           </p:cNvPicPr>
           <p:nvPr/>
         </p:nvPicPr>
         <p:blipFill rotWithShape="1">
-          <a:blip r:embed="rId3">
+          <a:blip r:embed="rId2">
             <a:extLst>
               <a:ext uri="{28A0092B-C50C-407E-A947-70E740481C1C}">
                 <a14:useLocalDpi xmlns:a14="http://schemas.microsoft.com/office/drawing/2010/main" val="0"/>
@@ -5930,40 +5681,36 @@
             </a:extLst>
           </a:blip>
           <a:srcRect l="22593" t="12316" r="19913" b="11025"/>
-          <a:stretch/>
-        </p:blipFill>
-        <p:spPr>
-          <a:xfrm>
-            <a:off x="0" y="1803896"/>
-            <a:ext cx="3364637" cy="3364638"/>
-          </a:xfrm>
-          <a:prstGeom prst="rect">
-            <a:avLst/>
-          </a:prstGeom>
-        </p:spPr>
-      </p:pic>
-      <p:pic>
-        <p:nvPicPr>
-          <p:cNvPr id="9" name="图片 8">
-            <a:extLst>
-              <a:ext uri="{FF2B5EF4-FFF2-40B4-BE49-F238E27FC236}">
-                <a16:creationId xmlns:a16="http://schemas.microsoft.com/office/drawing/2014/main" id="{DB724C29-F631-4551-9A8D-C6670608E1FA}"/>
-              </a:ext>
-            </a:extLst>
-          </p:cNvPr>
-          <p:cNvPicPr>
-            <a:picLocks noChangeAspect="1"/>
-          </p:cNvPicPr>
-          <p:nvPr/>
-        </p:nvPicPr>
-        <p:blipFill>
-          <a:blip r:embed="rId4"/>
           <a:stretch>
             <a:fillRect/>
           </a:stretch>
         </p:blipFill>
         <p:spPr>
           <a:xfrm>
+            <a:off x="0" y="1803896"/>
+            <a:ext cx="3364637" cy="3364638"/>
+          </a:xfrm>
+          <a:prstGeom prst="rect">
+            <a:avLst/>
+          </a:prstGeom>
+        </p:spPr>
+      </p:pic>
+      <p:pic>
+        <p:nvPicPr>
+          <p:cNvPr id="9" name="图片 8"/>
+          <p:cNvPicPr>
+            <a:picLocks noChangeAspect="1"/>
+          </p:cNvPicPr>
+          <p:nvPr/>
+        </p:nvPicPr>
+        <p:blipFill>
+          <a:blip r:embed="rId3"/>
+          <a:stretch>
+            <a:fillRect/>
+          </a:stretch>
+        </p:blipFill>
+        <p:spPr>
+          <a:xfrm>
             <a:off x="7874731" y="1746681"/>
             <a:ext cx="3479068" cy="3479068"/>
           </a:xfrm>
@@ -5973,22 +5720,17 @@
         </p:spPr>
       </p:pic>
     </p:spTree>
-    <p:extLst>
-      <p:ext uri="{BB962C8B-B14F-4D97-AF65-F5344CB8AC3E}">
-        <p14:creationId xmlns:p14="http://schemas.microsoft.com/office/powerpoint/2010/main" val="2835152963"/>
-      </p:ext>
-    </p:extLst>
   </p:cSld>
   <p:clrMapOvr>
     <a:masterClrMapping/>
   </p:clrMapOvr>
-  <mc:AlternateContent xmlns:mc="http://schemas.openxmlformats.org/markup-compatibility/2006" xmlns:p15="http://schemas.microsoft.com/office/powerpoint/2012/main">
-    <mc:Choice Requires="p15">
-      <p:transition xmlns:p14="http://schemas.microsoft.com/office/powerpoint/2010/main" spd="slow" p14:dur="1250">
+  <mc:AlternateContent xmlns:mc="http://schemas.openxmlformats.org/markup-compatibility/2006">
+    <mc:Choice xmlns:p15="http://schemas.microsoft.com/office/powerpoint/2012/main" Requires="p15">
+      <p:transition xmlns:p14="http://schemas.microsoft.com/office/powerpoint/2010/main" spd="slow" Requires="p14" p14:dur="1250">
         <p15:prstTrans prst="pageCurlDouble"/>
       </p:transition>
     </mc:Choice>
-    <mc:Fallback xmlns="">
+    <mc:Fallback>
       <p:transition spd="slow">
         <p:fade/>
       </p:transition>
@@ -6206,7 +5948,6 @@
       </a:lstStyle>
     </a:txDef>
   </a:objectDefaults>
-  <a:extraClrSchemeLst/>
   <a:extLst>
     <a:ext uri="{05A4C25C-085E-4340-85A3-A5531E510DB2}">
       <thm15:themeFamily xmlns:thm15="http://schemas.microsoft.com/office/thememl/2012/main" name="Office Theme" id="{62F939B6-93AF-4DB8-9C6B-D6C7DFDC589F}" vid="{4A3C46E8-61CC-4603-A589-7422A47A8E4A}"/>
@@ -6258,7 +5999,7 @@
     </a:clrScheme>
     <a:fontScheme name="Office">
       <a:majorFont>
-        <a:latin typeface="等线 Light" panose="020F0302020204030204"/>
+        <a:latin typeface="等线 Light"/>
         <a:ea typeface=""/>
         <a:cs typeface=""/>
         <a:font script="Jpan" typeface="游ゴシック Light"/>
@@ -6291,26 +6032,9 @@
         <a:font script="Viet" typeface="Times New Roman"/>
         <a:font script="Uigh" typeface="Microsoft Uighur"/>
         <a:font script="Geor" typeface="Sylfaen"/>
-        <a:font script="Armn" typeface="Arial"/>
-        <a:font script="Bugi" typeface="Leelawadee UI"/>
-        <a:font script="Bopo" typeface="Microsoft JhengHei"/>
-        <a:font script="Java" typeface="Javanese Text"/>
-        <a:font script="Lisu" typeface="Segoe UI"/>
-        <a:font script="Mymr" typeface="Myanmar Text"/>
-        <a:font script="Nkoo" typeface="Ebrima"/>
-        <a:font script="Olck" typeface="Nirmala UI"/>
-        <a:font script="Osma" typeface="Ebrima"/>
-        <a:font script="Phag" typeface="Phagspa"/>
-        <a:font script="Syrn" typeface="Estrangelo Edessa"/>
-        <a:font script="Syrj" typeface="Estrangelo Edessa"/>
-        <a:font script="Syre" typeface="Estrangelo Edessa"/>
-        <a:font script="Sora" typeface="Nirmala UI"/>
-        <a:font script="Tale" typeface="Microsoft Tai Le"/>
-        <a:font script="Talu" typeface="Microsoft New Tai Lue"/>
-        <a:font script="Tfng" typeface="Ebrima"/>
       </a:majorFont>
       <a:minorFont>
-        <a:latin typeface="等线" panose="020F0502020204030204"/>
+        <a:latin typeface="等线"/>
         <a:ea typeface=""/>
         <a:cs typeface=""/>
         <a:font script="Jpan" typeface="游ゴシック"/>
@@ -6343,23 +6067,6 @@
         <a:font script="Viet" typeface="Arial"/>
         <a:font script="Uigh" typeface="Microsoft Uighur"/>
         <a:font script="Geor" typeface="Sylfaen"/>
-        <a:font script="Armn" typeface="Arial"/>
-        <a:font script="Bugi" typeface="Leelawadee UI"/>
-        <a:font script="Bopo" typeface="Microsoft JhengHei"/>
-        <a:font script="Java" typeface="Javanese Text"/>
-        <a:font script="Lisu" typeface="Segoe UI"/>
-        <a:font script="Mymr" typeface="Myanmar Text"/>
-        <a:font script="Nkoo" typeface="Ebrima"/>
-        <a:font script="Olck" typeface="Nirmala UI"/>
-        <a:font script="Osma" typeface="Ebrima"/>
-        <a:font script="Phag" typeface="Phagspa"/>
-        <a:font script="Syrn" typeface="Estrangelo Edessa"/>
-        <a:font script="Syrj" typeface="Estrangelo Edessa"/>
-        <a:font script="Syre" typeface="Estrangelo Edessa"/>
-        <a:font script="Sora" typeface="Nirmala UI"/>
-        <a:font script="Tale" typeface="Microsoft Tai Le"/>
-        <a:font script="Talu" typeface="Microsoft New Tai Lue"/>
-        <a:font script="Tfng" typeface="Ebrima"/>
       </a:minorFont>
     </a:fontScheme>
     <a:fmtScheme name="Office">
@@ -6500,8 +6207,6 @@
       </a:bgFillStyleLst>
     </a:fmtScheme>
   </a:themeElements>
-  <a:objectDefaults/>
-  <a:extraClrSchemeLst/>
   <a:extLst>
     <a:ext uri="{05A4C25C-085E-4340-85A3-A5531E510DB2}">
       <thm15:themeFamily xmlns:thm15="http://schemas.microsoft.com/office/thememl/2012/main" name="Office Theme" id="{62F939B6-93AF-4DB8-9C6B-D6C7DFDC589F}" vid="{4A3C46E8-61CC-4603-A589-7422A47A8E4A}"/>
